--- a/Seminar/graphic.pptx
+++ b/Seminar/graphic.pptx
@@ -9,7 +9,10 @@
     <p:sldId id="258" r:id="rId3"/>
     <p:sldId id="259" r:id="rId4"/>
     <p:sldId id="260" r:id="rId5"/>
-    <p:sldId id="261" r:id="rId6"/>
+    <p:sldId id="262" r:id="rId6"/>
+    <p:sldId id="261" r:id="rId7"/>
+    <p:sldId id="263" r:id="rId8"/>
+    <p:sldId id="264" r:id="rId9"/>
   </p:sldIdLst>
   <p:sldSz cx="12192000" cy="6858000"/>
   <p:notesSz cx="6858000" cy="9144000"/>
@@ -2184,7 +2187,7 @@
           <a:p>
             <a:fld id="{7AB7A67C-34C4-4220-9C1B-5040709E815C}" type="datetimeFigureOut">
               <a:rPr lang="en-US" smtClean="0"/>
-              <a:t>2017-03-23</a:t>
+              <a:t>2017-04-03</a:t>
             </a:fld>
             <a:endParaRPr lang="en-US"/>
           </a:p>
@@ -2352,7 +2355,7 @@
           <a:p>
             <a:fld id="{7AB7A67C-34C4-4220-9C1B-5040709E815C}" type="datetimeFigureOut">
               <a:rPr lang="en-US" smtClean="0"/>
-              <a:t>2017-03-23</a:t>
+              <a:t>2017-04-03</a:t>
             </a:fld>
             <a:endParaRPr lang="en-US"/>
           </a:p>
@@ -2530,7 +2533,7 @@
           <a:p>
             <a:fld id="{7AB7A67C-34C4-4220-9C1B-5040709E815C}" type="datetimeFigureOut">
               <a:rPr lang="en-US" smtClean="0"/>
-              <a:t>2017-03-23</a:t>
+              <a:t>2017-04-03</a:t>
             </a:fld>
             <a:endParaRPr lang="en-US"/>
           </a:p>
@@ -2698,7 +2701,7 @@
           <a:p>
             <a:fld id="{7AB7A67C-34C4-4220-9C1B-5040709E815C}" type="datetimeFigureOut">
               <a:rPr lang="en-US" smtClean="0"/>
-              <a:t>2017-03-23</a:t>
+              <a:t>2017-04-03</a:t>
             </a:fld>
             <a:endParaRPr lang="en-US"/>
           </a:p>
@@ -2943,7 +2946,7 @@
           <a:p>
             <a:fld id="{7AB7A67C-34C4-4220-9C1B-5040709E815C}" type="datetimeFigureOut">
               <a:rPr lang="en-US" smtClean="0"/>
-              <a:t>2017-03-23</a:t>
+              <a:t>2017-04-03</a:t>
             </a:fld>
             <a:endParaRPr lang="en-US"/>
           </a:p>
@@ -3172,7 +3175,7 @@
           <a:p>
             <a:fld id="{7AB7A67C-34C4-4220-9C1B-5040709E815C}" type="datetimeFigureOut">
               <a:rPr lang="en-US" smtClean="0"/>
-              <a:t>2017-03-23</a:t>
+              <a:t>2017-04-03</a:t>
             </a:fld>
             <a:endParaRPr lang="en-US"/>
           </a:p>
@@ -3536,7 +3539,7 @@
           <a:p>
             <a:fld id="{7AB7A67C-34C4-4220-9C1B-5040709E815C}" type="datetimeFigureOut">
               <a:rPr lang="en-US" smtClean="0"/>
-              <a:t>2017-03-23</a:t>
+              <a:t>2017-04-03</a:t>
             </a:fld>
             <a:endParaRPr lang="en-US"/>
           </a:p>
@@ -3653,7 +3656,7 @@
           <a:p>
             <a:fld id="{7AB7A67C-34C4-4220-9C1B-5040709E815C}" type="datetimeFigureOut">
               <a:rPr lang="en-US" smtClean="0"/>
-              <a:t>2017-03-23</a:t>
+              <a:t>2017-04-03</a:t>
             </a:fld>
             <a:endParaRPr lang="en-US"/>
           </a:p>
@@ -3748,7 +3751,7 @@
           <a:p>
             <a:fld id="{7AB7A67C-34C4-4220-9C1B-5040709E815C}" type="datetimeFigureOut">
               <a:rPr lang="en-US" smtClean="0"/>
-              <a:t>2017-03-23</a:t>
+              <a:t>2017-04-03</a:t>
             </a:fld>
             <a:endParaRPr lang="en-US"/>
           </a:p>
@@ -4023,7 +4026,7 @@
           <a:p>
             <a:fld id="{7AB7A67C-34C4-4220-9C1B-5040709E815C}" type="datetimeFigureOut">
               <a:rPr lang="en-US" smtClean="0"/>
-              <a:t>2017-03-23</a:t>
+              <a:t>2017-04-03</a:t>
             </a:fld>
             <a:endParaRPr lang="en-US"/>
           </a:p>
@@ -4275,7 +4278,7 @@
           <a:p>
             <a:fld id="{7AB7A67C-34C4-4220-9C1B-5040709E815C}" type="datetimeFigureOut">
               <a:rPr lang="en-US" smtClean="0"/>
-              <a:t>2017-03-23</a:t>
+              <a:t>2017-04-03</a:t>
             </a:fld>
             <a:endParaRPr lang="en-US"/>
           </a:p>
@@ -4486,7 +4489,7 @@
           <a:p>
             <a:fld id="{7AB7A67C-34C4-4220-9C1B-5040709E815C}" type="datetimeFigureOut">
               <a:rPr lang="en-US" smtClean="0"/>
-              <a:t>2017-03-23</a:t>
+              <a:t>2017-04-03</a:t>
             </a:fld>
             <a:endParaRPr lang="en-US"/>
           </a:p>
@@ -7466,10 +7469,4021 @@
           <a:chExt cx="0" cy="0"/>
         </a:xfrm>
       </p:grpSpPr>
+      <p:sp>
+        <p:nvSpPr>
+          <p:cNvPr id="4" name="Rectangle: Rounded Corners 3"/>
+          <p:cNvSpPr/>
+          <p:nvPr/>
+        </p:nvSpPr>
+        <p:spPr>
+          <a:xfrm>
+            <a:off x="1833768" y="2807348"/>
+            <a:ext cx="1888436" cy="411480"/>
+          </a:xfrm>
+          <a:prstGeom prst="roundRect">
+            <a:avLst/>
+          </a:prstGeom>
+        </p:spPr>
+        <p:style>
+          <a:lnRef idx="2">
+            <a:schemeClr val="dk1"/>
+          </a:lnRef>
+          <a:fillRef idx="1">
+            <a:schemeClr val="lt1"/>
+          </a:fillRef>
+          <a:effectRef idx="0">
+            <a:schemeClr val="dk1"/>
+          </a:effectRef>
+          <a:fontRef idx="minor">
+            <a:schemeClr val="dk1"/>
+          </a:fontRef>
+        </p:style>
+        <p:txBody>
+          <a:bodyPr rtlCol="0" anchor="ctr"/>
+          <a:lstStyle/>
+          <a:p>
+            <a:pPr algn="ctr"/>
+            <a:r>
+              <a:rPr lang="en-US" dirty="0"/>
+              <a:t>Software package</a:t>
+            </a:r>
+          </a:p>
+        </p:txBody>
+      </p:sp>
+      <p:sp>
+        <p:nvSpPr>
+          <p:cNvPr id="5" name="Rectangle: Rounded Corners 4"/>
+          <p:cNvSpPr/>
+          <p:nvPr/>
+        </p:nvSpPr>
+        <p:spPr>
+          <a:xfrm>
+            <a:off x="4030871" y="2807208"/>
+            <a:ext cx="1895059" cy="411480"/>
+          </a:xfrm>
+          <a:prstGeom prst="roundRect">
+            <a:avLst/>
+          </a:prstGeom>
+        </p:spPr>
+        <p:style>
+          <a:lnRef idx="2">
+            <a:schemeClr val="dk1"/>
+          </a:lnRef>
+          <a:fillRef idx="1">
+            <a:schemeClr val="lt1"/>
+          </a:fillRef>
+          <a:effectRef idx="0">
+            <a:schemeClr val="dk1"/>
+          </a:effectRef>
+          <a:fontRef idx="minor">
+            <a:schemeClr val="dk1"/>
+          </a:fontRef>
+        </p:style>
+        <p:txBody>
+          <a:bodyPr rtlCol="0" anchor="ctr"/>
+          <a:lstStyle/>
+          <a:p>
+            <a:pPr algn="ctr"/>
+            <a:r>
+              <a:rPr lang="en-US" dirty="0"/>
+              <a:t>Software package</a:t>
+            </a:r>
+          </a:p>
+        </p:txBody>
+      </p:sp>
+      <p:sp>
+        <p:nvSpPr>
+          <p:cNvPr id="6" name="Rectangle 5"/>
+          <p:cNvSpPr/>
+          <p:nvPr/>
+        </p:nvSpPr>
+        <p:spPr>
+          <a:xfrm>
+            <a:off x="1272207" y="1658178"/>
+            <a:ext cx="9421193" cy="1961322"/>
+          </a:xfrm>
+          <a:prstGeom prst="rect">
+            <a:avLst/>
+          </a:prstGeom>
+          <a:noFill/>
+          <a:ln>
+            <a:prstDash val="solid"/>
+          </a:ln>
+        </p:spPr>
+        <p:style>
+          <a:lnRef idx="2">
+            <a:schemeClr val="dk1"/>
+          </a:lnRef>
+          <a:fillRef idx="1">
+            <a:schemeClr val="lt1"/>
+          </a:fillRef>
+          <a:effectRef idx="0">
+            <a:schemeClr val="dk1"/>
+          </a:effectRef>
+          <a:fontRef idx="minor">
+            <a:schemeClr val="dk1"/>
+          </a:fontRef>
+        </p:style>
+        <p:txBody>
+          <a:bodyPr rtlCol="0" anchor="ctr"/>
+          <a:lstStyle/>
+          <a:p>
+            <a:pPr algn="ctr"/>
+            <a:endParaRPr lang="en-US"/>
+          </a:p>
+        </p:txBody>
+      </p:sp>
+      <p:sp>
+        <p:nvSpPr>
+          <p:cNvPr id="7" name="Rectangle: Rounded Corners 6"/>
+          <p:cNvSpPr/>
+          <p:nvPr/>
+        </p:nvSpPr>
+        <p:spPr>
+          <a:xfrm>
+            <a:off x="1529632" y="1435828"/>
+            <a:ext cx="1828800" cy="411480"/>
+          </a:xfrm>
+          <a:prstGeom prst="roundRect">
+            <a:avLst/>
+          </a:prstGeom>
+        </p:spPr>
+        <p:style>
+          <a:lnRef idx="2">
+            <a:schemeClr val="dk1"/>
+          </a:lnRef>
+          <a:fillRef idx="1">
+            <a:schemeClr val="lt1"/>
+          </a:fillRef>
+          <a:effectRef idx="0">
+            <a:schemeClr val="dk1"/>
+          </a:effectRef>
+          <a:fontRef idx="minor">
+            <a:schemeClr val="dk1"/>
+          </a:fontRef>
+        </p:style>
+        <p:txBody>
+          <a:bodyPr rtlCol="0" anchor="ctr"/>
+          <a:lstStyle/>
+          <a:p>
+            <a:pPr algn="ctr"/>
+            <a:r>
+              <a:rPr lang="en-US" dirty="0"/>
+              <a:t>Software release</a:t>
+            </a:r>
+          </a:p>
+        </p:txBody>
+      </p:sp>
+      <p:cxnSp>
+        <p:nvCxnSpPr>
+          <p:cNvPr id="8" name="Straight Arrow Connector 7"/>
+          <p:cNvCxnSpPr>
+            <a:cxnSpLocks/>
+          </p:cNvCxnSpPr>
+          <p:nvPr/>
+        </p:nvCxnSpPr>
+        <p:spPr>
+          <a:xfrm>
+            <a:off x="1625600" y="2400302"/>
+            <a:ext cx="8801100" cy="0"/>
+          </a:xfrm>
+          <a:prstGeom prst="straightConnector1">
+            <a:avLst/>
+          </a:prstGeom>
+          <a:ln w="38100">
+            <a:tailEnd type="triangle"/>
+          </a:ln>
+        </p:spPr>
+        <p:style>
+          <a:lnRef idx="1">
+            <a:schemeClr val="dk1"/>
+          </a:lnRef>
+          <a:fillRef idx="0">
+            <a:schemeClr val="dk1"/>
+          </a:fillRef>
+          <a:effectRef idx="0">
+            <a:schemeClr val="dk1"/>
+          </a:effectRef>
+          <a:fontRef idx="minor">
+            <a:schemeClr val="tx1"/>
+          </a:fontRef>
+        </p:style>
+      </p:cxnSp>
+      <p:cxnSp>
+        <p:nvCxnSpPr>
+          <p:cNvPr id="9" name="Straight Connector 8"/>
+          <p:cNvCxnSpPr>
+            <a:cxnSpLocks/>
+            <a:endCxn id="4" idx="0"/>
+          </p:cNvCxnSpPr>
+          <p:nvPr/>
+        </p:nvCxnSpPr>
+        <p:spPr>
+          <a:xfrm>
+            <a:off x="2409840" y="2400302"/>
+            <a:ext cx="368146" cy="407046"/>
+          </a:xfrm>
+          <a:prstGeom prst="line">
+            <a:avLst/>
+          </a:prstGeom>
+          <a:ln w="12700"/>
+        </p:spPr>
+        <p:style>
+          <a:lnRef idx="1">
+            <a:schemeClr val="dk1"/>
+          </a:lnRef>
+          <a:fillRef idx="0">
+            <a:schemeClr val="dk1"/>
+          </a:fillRef>
+          <a:effectRef idx="0">
+            <a:schemeClr val="dk1"/>
+          </a:effectRef>
+          <a:fontRef idx="minor">
+            <a:schemeClr val="tx1"/>
+          </a:fontRef>
+        </p:style>
+      </p:cxnSp>
+      <p:cxnSp>
+        <p:nvCxnSpPr>
+          <p:cNvPr id="10" name="Straight Connector 9"/>
+          <p:cNvCxnSpPr>
+            <a:cxnSpLocks/>
+            <a:endCxn id="5" idx="0"/>
+          </p:cNvCxnSpPr>
+          <p:nvPr/>
+        </p:nvCxnSpPr>
+        <p:spPr>
+          <a:xfrm>
+            <a:off x="4607340" y="2400427"/>
+            <a:ext cx="371061" cy="406781"/>
+          </a:xfrm>
+          <a:prstGeom prst="line">
+            <a:avLst/>
+          </a:prstGeom>
+        </p:spPr>
+        <p:style>
+          <a:lnRef idx="1">
+            <a:schemeClr val="dk1"/>
+          </a:lnRef>
+          <a:fillRef idx="0">
+            <a:schemeClr val="dk1"/>
+          </a:fillRef>
+          <a:effectRef idx="0">
+            <a:schemeClr val="dk1"/>
+          </a:effectRef>
+          <a:fontRef idx="minor">
+            <a:schemeClr val="tx1"/>
+          </a:fontRef>
+        </p:style>
+      </p:cxnSp>
+      <p:sp>
+        <p:nvSpPr>
+          <p:cNvPr id="11" name="TextBox 10"/>
+          <p:cNvSpPr txBox="1"/>
+          <p:nvPr/>
+        </p:nvSpPr>
+        <p:spPr>
+          <a:xfrm>
+            <a:off x="8140701" y="2012113"/>
+            <a:ext cx="2285999" cy="369332"/>
+          </a:xfrm>
+          <a:prstGeom prst="rect">
+            <a:avLst/>
+          </a:prstGeom>
+          <a:noFill/>
+        </p:spPr>
+        <p:txBody>
+          <a:bodyPr wrap="square" rtlCol="0">
+            <a:spAutoFit/>
+          </a:bodyPr>
+          <a:lstStyle/>
+          <a:p>
+            <a:r>
+              <a:rPr lang="en-US" dirty="0"/>
+              <a:t>Code integration track</a:t>
+            </a:r>
+          </a:p>
+        </p:txBody>
+      </p:sp>
+      <p:sp>
+        <p:nvSpPr>
+          <p:cNvPr id="12" name="Rectangle: Rounded Corners 11"/>
+          <p:cNvSpPr/>
+          <p:nvPr/>
+        </p:nvSpPr>
+        <p:spPr>
+          <a:xfrm>
+            <a:off x="8259970" y="2807208"/>
+            <a:ext cx="1892808" cy="411480"/>
+          </a:xfrm>
+          <a:prstGeom prst="roundRect">
+            <a:avLst/>
+          </a:prstGeom>
+        </p:spPr>
+        <p:style>
+          <a:lnRef idx="2">
+            <a:schemeClr val="dk1"/>
+          </a:lnRef>
+          <a:fillRef idx="1">
+            <a:schemeClr val="lt1"/>
+          </a:fillRef>
+          <a:effectRef idx="0">
+            <a:schemeClr val="dk1"/>
+          </a:effectRef>
+          <a:fontRef idx="minor">
+            <a:schemeClr val="dk1"/>
+          </a:fontRef>
+        </p:style>
+        <p:txBody>
+          <a:bodyPr rtlCol="0" anchor="ctr"/>
+          <a:lstStyle/>
+          <a:p>
+            <a:pPr algn="ctr"/>
+            <a:r>
+              <a:rPr lang="en-US" dirty="0"/>
+              <a:t>Software package</a:t>
+            </a:r>
+          </a:p>
+        </p:txBody>
+      </p:sp>
+      <p:cxnSp>
+        <p:nvCxnSpPr>
+          <p:cNvPr id="13" name="Straight Connector 12"/>
+          <p:cNvCxnSpPr>
+            <a:cxnSpLocks/>
+          </p:cNvCxnSpPr>
+          <p:nvPr/>
+        </p:nvCxnSpPr>
+        <p:spPr>
+          <a:xfrm>
+            <a:off x="8813800" y="2405382"/>
+            <a:ext cx="405274" cy="401826"/>
+          </a:xfrm>
+          <a:prstGeom prst="line">
+            <a:avLst/>
+          </a:prstGeom>
+        </p:spPr>
+        <p:style>
+          <a:lnRef idx="1">
+            <a:schemeClr val="dk1"/>
+          </a:lnRef>
+          <a:fillRef idx="0">
+            <a:schemeClr val="dk1"/>
+          </a:fillRef>
+          <a:effectRef idx="0">
+            <a:schemeClr val="dk1"/>
+          </a:effectRef>
+          <a:fontRef idx="minor">
+            <a:schemeClr val="tx1"/>
+          </a:fontRef>
+        </p:style>
+      </p:cxnSp>
+      <p:sp>
+        <p:nvSpPr>
+          <p:cNvPr id="14" name="Rectangle 13"/>
+          <p:cNvSpPr/>
+          <p:nvPr/>
+        </p:nvSpPr>
+        <p:spPr>
+          <a:xfrm>
+            <a:off x="5939317" y="2807349"/>
+            <a:ext cx="2279007" cy="368612"/>
+          </a:xfrm>
+          <a:prstGeom prst="rect">
+            <a:avLst/>
+          </a:prstGeom>
+          <a:noFill/>
+          <a:ln>
+            <a:noFill/>
+          </a:ln>
+        </p:spPr>
+        <p:style>
+          <a:lnRef idx="2">
+            <a:schemeClr val="accent1">
+              <a:shade val="50000"/>
+            </a:schemeClr>
+          </a:lnRef>
+          <a:fillRef idx="1">
+            <a:schemeClr val="accent1"/>
+          </a:fillRef>
+          <a:effectRef idx="0">
+            <a:schemeClr val="accent1"/>
+          </a:effectRef>
+          <a:fontRef idx="minor">
+            <a:schemeClr val="lt1"/>
+          </a:fontRef>
+        </p:style>
+        <p:txBody>
+          <a:bodyPr rtlCol="0" anchor="ctr"/>
+          <a:lstStyle/>
+          <a:p>
+            <a:pPr algn="ctr"/>
+            <a:r>
+              <a:rPr lang="en-US" dirty="0">
+                <a:ln w="0"/>
+                <a:solidFill>
+                  <a:schemeClr val="tx1"/>
+                </a:solidFill>
+              </a:rPr>
+              <a:t>.      .      .      .</a:t>
+            </a:r>
+          </a:p>
+        </p:txBody>
+      </p:sp>
+      <p:sp>
+        <p:nvSpPr>
+          <p:cNvPr id="15" name="TextBox 14"/>
+          <p:cNvSpPr txBox="1"/>
+          <p:nvPr/>
+        </p:nvSpPr>
+        <p:spPr>
+          <a:xfrm>
+            <a:off x="3337257" y="1336937"/>
+            <a:ext cx="598241" cy="338554"/>
+          </a:xfrm>
+          <a:prstGeom prst="rect">
+            <a:avLst/>
+          </a:prstGeom>
+          <a:noFill/>
+        </p:spPr>
+        <p:txBody>
+          <a:bodyPr wrap="none" rtlCol="0">
+            <a:spAutoFit/>
+          </a:bodyPr>
+          <a:lstStyle/>
+          <a:p>
+            <a:r>
+              <a:rPr lang="en-US" sz="1600" i="1" dirty="0"/>
+              <a:t>L17A</a:t>
+            </a:r>
+          </a:p>
+        </p:txBody>
+      </p:sp>
+      <p:sp>
+        <p:nvSpPr>
+          <p:cNvPr id="17" name="TextBox 16"/>
+          <p:cNvSpPr txBox="1"/>
+          <p:nvPr/>
+        </p:nvSpPr>
+        <p:spPr>
+          <a:xfrm>
+            <a:off x="2754891" y="2474762"/>
+            <a:ext cx="519694" cy="338554"/>
+          </a:xfrm>
+          <a:prstGeom prst="rect">
+            <a:avLst/>
+          </a:prstGeom>
+          <a:noFill/>
+        </p:spPr>
+        <p:txBody>
+          <a:bodyPr wrap="none" rtlCol="0">
+            <a:spAutoFit/>
+          </a:bodyPr>
+          <a:lstStyle/>
+          <a:p>
+            <a:r>
+              <a:rPr lang="en-US" sz="1600" i="1" dirty="0"/>
+              <a:t>R2A</a:t>
+            </a:r>
+          </a:p>
+        </p:txBody>
+      </p:sp>
+      <p:sp>
+        <p:nvSpPr>
+          <p:cNvPr id="18" name="TextBox 17"/>
+          <p:cNvSpPr txBox="1"/>
+          <p:nvPr/>
+        </p:nvSpPr>
+        <p:spPr>
+          <a:xfrm>
+            <a:off x="4991789" y="2477810"/>
+            <a:ext cx="655949" cy="338554"/>
+          </a:xfrm>
+          <a:prstGeom prst="rect">
+            <a:avLst/>
+          </a:prstGeom>
+          <a:noFill/>
+        </p:spPr>
+        <p:txBody>
+          <a:bodyPr wrap="none" rtlCol="0">
+            <a:spAutoFit/>
+          </a:bodyPr>
+          <a:lstStyle/>
+          <a:p>
+            <a:r>
+              <a:rPr lang="en-US" sz="1600" i="1" dirty="0"/>
+              <a:t>R5DH</a:t>
+            </a:r>
+          </a:p>
+        </p:txBody>
+      </p:sp>
+      <p:sp>
+        <p:nvSpPr>
+          <p:cNvPr id="19" name="TextBox 18"/>
+          <p:cNvSpPr txBox="1"/>
+          <p:nvPr/>
+        </p:nvSpPr>
+        <p:spPr>
+          <a:xfrm>
+            <a:off x="9214504" y="2474762"/>
+            <a:ext cx="599844" cy="338554"/>
+          </a:xfrm>
+          <a:prstGeom prst="rect">
+            <a:avLst/>
+          </a:prstGeom>
+          <a:noFill/>
+        </p:spPr>
+        <p:txBody>
+          <a:bodyPr wrap="none" rtlCol="0">
+            <a:spAutoFit/>
+          </a:bodyPr>
+          <a:lstStyle/>
+          <a:p>
+            <a:r>
+              <a:rPr lang="en-US" sz="1600" i="1" dirty="0"/>
+              <a:t>R22F</a:t>
+            </a:r>
+          </a:p>
+        </p:txBody>
+      </p:sp>
+      <p:sp>
+        <p:nvSpPr>
+          <p:cNvPr id="24" name="Oval 23"/>
+          <p:cNvSpPr/>
+          <p:nvPr/>
+        </p:nvSpPr>
+        <p:spPr>
+          <a:xfrm>
+            <a:off x="2364885" y="2350913"/>
+            <a:ext cx="115309" cy="115309"/>
+          </a:xfrm>
+          <a:prstGeom prst="ellipse">
+            <a:avLst/>
+          </a:prstGeom>
+          <a:solidFill>
+            <a:schemeClr val="tx1"/>
+          </a:solidFill>
+          <a:ln>
+            <a:noFill/>
+          </a:ln>
+        </p:spPr>
+        <p:style>
+          <a:lnRef idx="2">
+            <a:schemeClr val="accent1">
+              <a:shade val="50000"/>
+            </a:schemeClr>
+          </a:lnRef>
+          <a:fillRef idx="1">
+            <a:schemeClr val="accent1"/>
+          </a:fillRef>
+          <a:effectRef idx="0">
+            <a:schemeClr val="accent1"/>
+          </a:effectRef>
+          <a:fontRef idx="minor">
+            <a:schemeClr val="lt1"/>
+          </a:fontRef>
+        </p:style>
+        <p:txBody>
+          <a:bodyPr rtlCol="0" anchor="ctr"/>
+          <a:lstStyle/>
+          <a:p>
+            <a:pPr algn="ctr"/>
+            <a:endParaRPr lang="en-US"/>
+          </a:p>
+        </p:txBody>
+      </p:sp>
+      <p:sp>
+        <p:nvSpPr>
+          <p:cNvPr id="25" name="Oval 24"/>
+          <p:cNvSpPr/>
+          <p:nvPr/>
+        </p:nvSpPr>
+        <p:spPr>
+          <a:xfrm>
+            <a:off x="4574026" y="2350913"/>
+            <a:ext cx="115309" cy="115309"/>
+          </a:xfrm>
+          <a:prstGeom prst="ellipse">
+            <a:avLst/>
+          </a:prstGeom>
+          <a:solidFill>
+            <a:schemeClr val="tx1"/>
+          </a:solidFill>
+          <a:ln>
+            <a:noFill/>
+          </a:ln>
+        </p:spPr>
+        <p:style>
+          <a:lnRef idx="2">
+            <a:schemeClr val="accent1">
+              <a:shade val="50000"/>
+            </a:schemeClr>
+          </a:lnRef>
+          <a:fillRef idx="1">
+            <a:schemeClr val="accent1"/>
+          </a:fillRef>
+          <a:effectRef idx="0">
+            <a:schemeClr val="accent1"/>
+          </a:effectRef>
+          <a:fontRef idx="minor">
+            <a:schemeClr val="lt1"/>
+          </a:fontRef>
+        </p:style>
+        <p:txBody>
+          <a:bodyPr rtlCol="0" anchor="ctr"/>
+          <a:lstStyle/>
+          <a:p>
+            <a:pPr algn="ctr"/>
+            <a:endParaRPr lang="en-US"/>
+          </a:p>
+        </p:txBody>
+      </p:sp>
+      <p:sp>
+        <p:nvSpPr>
+          <p:cNvPr id="26" name="Oval 25"/>
+          <p:cNvSpPr/>
+          <p:nvPr/>
+        </p:nvSpPr>
+        <p:spPr>
+          <a:xfrm>
+            <a:off x="8780270" y="2350913"/>
+            <a:ext cx="115309" cy="115309"/>
+          </a:xfrm>
+          <a:prstGeom prst="ellipse">
+            <a:avLst/>
+          </a:prstGeom>
+          <a:solidFill>
+            <a:schemeClr val="tx1"/>
+          </a:solidFill>
+          <a:ln>
+            <a:noFill/>
+          </a:ln>
+        </p:spPr>
+        <p:style>
+          <a:lnRef idx="2">
+            <a:schemeClr val="accent1">
+              <a:shade val="50000"/>
+            </a:schemeClr>
+          </a:lnRef>
+          <a:fillRef idx="1">
+            <a:schemeClr val="accent1"/>
+          </a:fillRef>
+          <a:effectRef idx="0">
+            <a:schemeClr val="accent1"/>
+          </a:effectRef>
+          <a:fontRef idx="minor">
+            <a:schemeClr val="lt1"/>
+          </a:fontRef>
+        </p:style>
+        <p:txBody>
+          <a:bodyPr rtlCol="0" anchor="ctr"/>
+          <a:lstStyle/>
+          <a:p>
+            <a:pPr algn="ctr"/>
+            <a:endParaRPr lang="en-US"/>
+          </a:p>
+        </p:txBody>
+      </p:sp>
+    </p:spTree>
+    <p:extLst>
+      <p:ext uri="{BB962C8B-B14F-4D97-AF65-F5344CB8AC3E}">
+        <p14:creationId xmlns:p14="http://schemas.microsoft.com/office/powerpoint/2010/main" val="1903863968"/>
+      </p:ext>
+    </p:extLst>
+  </p:cSld>
+  <p:clrMapOvr>
+    <a:masterClrMapping/>
+  </p:clrMapOvr>
+</p:sld>
+</file>
+
+<file path=ppt/slides/slide6.xml><?xml version="1.0" encoding="utf-8"?>
+<p:sld xmlns:a="http://schemas.openxmlformats.org/drawingml/2006/main" xmlns:r="http://schemas.openxmlformats.org/officeDocument/2006/relationships" xmlns:p="http://schemas.openxmlformats.org/presentationml/2006/main">
+  <p:cSld>
+    <p:spTree>
+      <p:nvGrpSpPr>
+        <p:cNvPr id="1" name=""/>
+        <p:cNvGrpSpPr/>
+        <p:nvPr/>
+      </p:nvGrpSpPr>
+      <p:grpSpPr>
+        <a:xfrm>
+          <a:off x="0" y="0"/>
+          <a:ext cx="0" cy="0"/>
+          <a:chOff x="0" y="0"/>
+          <a:chExt cx="0" cy="0"/>
+        </a:xfrm>
+      </p:grpSpPr>
+      <p:sp>
+        <p:nvSpPr>
+          <p:cNvPr id="5" name="Rectangle: Rounded Corners 4"/>
+          <p:cNvSpPr/>
+          <p:nvPr/>
+        </p:nvSpPr>
+        <p:spPr>
+          <a:xfrm>
+            <a:off x="2870007" y="2049272"/>
+            <a:ext cx="1188720" cy="322637"/>
+          </a:xfrm>
+          <a:prstGeom prst="roundRect">
+            <a:avLst/>
+          </a:prstGeom>
+        </p:spPr>
+        <p:style>
+          <a:lnRef idx="2">
+            <a:schemeClr val="dk1"/>
+          </a:lnRef>
+          <a:fillRef idx="1">
+            <a:schemeClr val="lt1"/>
+          </a:fillRef>
+          <a:effectRef idx="0">
+            <a:schemeClr val="dk1"/>
+          </a:effectRef>
+          <a:fontRef idx="minor">
+            <a:schemeClr val="dk1"/>
+          </a:fontRef>
+        </p:style>
+        <p:txBody>
+          <a:bodyPr rtlCol="0" anchor="ctr"/>
+          <a:lstStyle/>
+          <a:p>
+            <a:pPr algn="ctr"/>
+            <a:r>
+              <a:rPr lang="en-US" dirty="0"/>
+              <a:t>Test suite</a:t>
+            </a:r>
+          </a:p>
+        </p:txBody>
+      </p:sp>
+      <p:pic>
+        <p:nvPicPr>
+          <p:cNvPr id="1028" name="Picture 4" descr="Image result for data file icon black"/>
+          <p:cNvPicPr>
+            <a:picLocks noChangeAspect="1" noChangeArrowheads="1"/>
+          </p:cNvPicPr>
+          <p:nvPr/>
+        </p:nvPicPr>
+        <p:blipFill>
+          <a:blip r:embed="rId2">
+            <a:extLst>
+              <a:ext uri="{28A0092B-C50C-407E-A947-70E740481C1C}">
+                <a14:useLocalDpi xmlns:a14="http://schemas.microsoft.com/office/drawing/2010/main" val="0"/>
+              </a:ext>
+            </a:extLst>
+          </a:blip>
+          <a:srcRect/>
+          <a:stretch>
+            <a:fillRect/>
+          </a:stretch>
+        </p:blipFill>
+        <p:spPr bwMode="auto">
+          <a:xfrm>
+            <a:off x="9216962" y="1879988"/>
+            <a:ext cx="565503" cy="565503"/>
+          </a:xfrm>
+          <a:prstGeom prst="rect">
+            <a:avLst/>
+          </a:prstGeom>
+          <a:noFill/>
+          <a:extLst>
+            <a:ext uri="{909E8E84-426E-40DD-AFC4-6F175D3DCCD1}">
+              <a14:hiddenFill xmlns:a14="http://schemas.microsoft.com/office/drawing/2010/main">
+                <a:solidFill>
+                  <a:srgbClr val="FFFFFF"/>
+                </a:solidFill>
+              </a14:hiddenFill>
+            </a:ext>
+          </a:extLst>
+        </p:spPr>
+      </p:pic>
+      <p:pic>
+        <p:nvPicPr>
+          <p:cNvPr id="1030" name="Picture 6" descr="Image result for log file icon black"/>
+          <p:cNvPicPr>
+            <a:picLocks noChangeAspect="1" noChangeArrowheads="1"/>
+          </p:cNvPicPr>
+          <p:nvPr/>
+        </p:nvPicPr>
+        <p:blipFill>
+          <a:blip r:embed="rId3">
+            <a:extLst>
+              <a:ext uri="{28A0092B-C50C-407E-A947-70E740481C1C}">
+                <a14:useLocalDpi xmlns:a14="http://schemas.microsoft.com/office/drawing/2010/main" val="0"/>
+              </a:ext>
+            </a:extLst>
+          </a:blip>
+          <a:srcRect/>
+          <a:stretch>
+            <a:fillRect/>
+          </a:stretch>
+        </p:blipFill>
+        <p:spPr bwMode="auto">
+          <a:xfrm>
+            <a:off x="6645147" y="1614886"/>
+            <a:ext cx="949449" cy="949449"/>
+          </a:xfrm>
+          <a:prstGeom prst="rect">
+            <a:avLst/>
+          </a:prstGeom>
+          <a:noFill/>
+          <a:extLst>
+            <a:ext uri="{909E8E84-426E-40DD-AFC4-6F175D3DCCD1}">
+              <a14:hiddenFill xmlns:a14="http://schemas.microsoft.com/office/drawing/2010/main">
+                <a:solidFill>
+                  <a:srgbClr val="FFFFFF"/>
+                </a:solidFill>
+              </a14:hiddenFill>
+            </a:ext>
+          </a:extLst>
+        </p:spPr>
+      </p:pic>
+      <p:sp>
+        <p:nvSpPr>
+          <p:cNvPr id="23" name="Rectangle: Rounded Corners 22"/>
+          <p:cNvSpPr/>
+          <p:nvPr/>
+        </p:nvSpPr>
+        <p:spPr>
+          <a:xfrm>
+            <a:off x="4640950" y="2049272"/>
+            <a:ext cx="1510073" cy="320040"/>
+          </a:xfrm>
+          <a:prstGeom prst="roundRect">
+            <a:avLst/>
+          </a:prstGeom>
+        </p:spPr>
+        <p:style>
+          <a:lnRef idx="2">
+            <a:schemeClr val="dk1"/>
+          </a:lnRef>
+          <a:fillRef idx="1">
+            <a:schemeClr val="lt1"/>
+          </a:fillRef>
+          <a:effectRef idx="0">
+            <a:schemeClr val="dk1"/>
+          </a:effectRef>
+          <a:fontRef idx="minor">
+            <a:schemeClr val="dk1"/>
+          </a:fontRef>
+        </p:style>
+        <p:txBody>
+          <a:bodyPr rtlCol="0" anchor="ctr"/>
+          <a:lstStyle/>
+          <a:p>
+            <a:pPr algn="ctr"/>
+            <a:r>
+              <a:rPr lang="en-US" dirty="0"/>
+              <a:t>Logging loop</a:t>
+            </a:r>
+          </a:p>
+        </p:txBody>
+      </p:sp>
+      <p:sp>
+        <p:nvSpPr>
+          <p:cNvPr id="36" name="Rectangle: Rounded Corners 35"/>
+          <p:cNvSpPr/>
+          <p:nvPr/>
+        </p:nvSpPr>
+        <p:spPr>
+          <a:xfrm>
+            <a:off x="2870007" y="2527513"/>
+            <a:ext cx="1188720" cy="322637"/>
+          </a:xfrm>
+          <a:prstGeom prst="roundRect">
+            <a:avLst/>
+          </a:prstGeom>
+        </p:spPr>
+        <p:style>
+          <a:lnRef idx="2">
+            <a:schemeClr val="dk1"/>
+          </a:lnRef>
+          <a:fillRef idx="1">
+            <a:schemeClr val="lt1"/>
+          </a:fillRef>
+          <a:effectRef idx="0">
+            <a:schemeClr val="dk1"/>
+          </a:effectRef>
+          <a:fontRef idx="minor">
+            <a:schemeClr val="dk1"/>
+          </a:fontRef>
+        </p:style>
+        <p:txBody>
+          <a:bodyPr rtlCol="0" anchor="ctr"/>
+          <a:lstStyle/>
+          <a:p>
+            <a:pPr algn="ctr"/>
+            <a:r>
+              <a:rPr lang="en-US" dirty="0"/>
+              <a:t>Test suite</a:t>
+            </a:r>
+          </a:p>
+        </p:txBody>
+      </p:sp>
+      <p:sp>
+        <p:nvSpPr>
+          <p:cNvPr id="37" name="Rectangle: Rounded Corners 36"/>
+          <p:cNvSpPr/>
+          <p:nvPr/>
+        </p:nvSpPr>
+        <p:spPr>
+          <a:xfrm>
+            <a:off x="4640950" y="2524760"/>
+            <a:ext cx="1510073" cy="320040"/>
+          </a:xfrm>
+          <a:prstGeom prst="roundRect">
+            <a:avLst/>
+          </a:prstGeom>
+        </p:spPr>
+        <p:style>
+          <a:lnRef idx="2">
+            <a:schemeClr val="dk1"/>
+          </a:lnRef>
+          <a:fillRef idx="1">
+            <a:schemeClr val="lt1"/>
+          </a:fillRef>
+          <a:effectRef idx="0">
+            <a:schemeClr val="dk1"/>
+          </a:effectRef>
+          <a:fontRef idx="minor">
+            <a:schemeClr val="dk1"/>
+          </a:fontRef>
+        </p:style>
+        <p:txBody>
+          <a:bodyPr rtlCol="0" anchor="ctr"/>
+          <a:lstStyle/>
+          <a:p>
+            <a:pPr algn="ctr"/>
+            <a:r>
+              <a:rPr lang="en-US" dirty="0"/>
+              <a:t>Logging loop</a:t>
+            </a:r>
+          </a:p>
+        </p:txBody>
+      </p:sp>
+      <p:sp>
+        <p:nvSpPr>
+          <p:cNvPr id="40" name="Rectangle 39"/>
+          <p:cNvSpPr/>
+          <p:nvPr/>
+        </p:nvSpPr>
+        <p:spPr>
+          <a:xfrm>
+            <a:off x="2976808" y="2997861"/>
+            <a:ext cx="974034" cy="479046"/>
+          </a:xfrm>
+          <a:prstGeom prst="rect">
+            <a:avLst/>
+          </a:prstGeom>
+          <a:noFill/>
+          <a:ln>
+            <a:noFill/>
+          </a:ln>
+        </p:spPr>
+        <p:style>
+          <a:lnRef idx="2">
+            <a:schemeClr val="accent1">
+              <a:shade val="50000"/>
+            </a:schemeClr>
+          </a:lnRef>
+          <a:fillRef idx="1">
+            <a:schemeClr val="accent1"/>
+          </a:fillRef>
+          <a:effectRef idx="0">
+            <a:schemeClr val="accent1"/>
+          </a:effectRef>
+          <a:fontRef idx="minor">
+            <a:schemeClr val="lt1"/>
+          </a:fontRef>
+        </p:style>
+        <p:txBody>
+          <a:bodyPr rtlCol="0" anchor="ctr"/>
+          <a:lstStyle/>
+          <a:p>
+            <a:pPr algn="ctr"/>
+            <a:r>
+              <a:rPr lang="en-US" sz="1050" b="1" dirty="0">
+                <a:ln w="0"/>
+                <a:solidFill>
+                  <a:schemeClr val="tx1"/>
+                </a:solidFill>
+              </a:rPr>
+              <a:t>.</a:t>
+            </a:r>
+          </a:p>
+          <a:p>
+            <a:pPr algn="ctr"/>
+            <a:r>
+              <a:rPr lang="en-US" sz="1050" b="1" dirty="0">
+                <a:ln w="0"/>
+                <a:solidFill>
+                  <a:schemeClr val="tx1"/>
+                </a:solidFill>
+              </a:rPr>
+              <a:t>. </a:t>
+            </a:r>
+          </a:p>
+          <a:p>
+            <a:pPr algn="ctr"/>
+            <a:r>
+              <a:rPr lang="en-US" sz="1050" b="1" dirty="0">
+                <a:ln w="0"/>
+                <a:solidFill>
+                  <a:schemeClr val="tx1"/>
+                </a:solidFill>
+              </a:rPr>
+              <a:t>.</a:t>
+            </a:r>
+          </a:p>
+        </p:txBody>
+      </p:sp>
+      <p:pic>
+        <p:nvPicPr>
+          <p:cNvPr id="41" name="Picture 4" descr="Image result for data file icon black"/>
+          <p:cNvPicPr>
+            <a:picLocks noChangeAspect="1" noChangeArrowheads="1"/>
+          </p:cNvPicPr>
+          <p:nvPr/>
+        </p:nvPicPr>
+        <p:blipFill>
+          <a:blip r:embed="rId2">
+            <a:extLst>
+              <a:ext uri="{28A0092B-C50C-407E-A947-70E740481C1C}">
+                <a14:useLocalDpi xmlns:a14="http://schemas.microsoft.com/office/drawing/2010/main" val="0"/>
+              </a:ext>
+            </a:extLst>
+          </a:blip>
+          <a:srcRect/>
+          <a:stretch>
+            <a:fillRect/>
+          </a:stretch>
+        </p:blipFill>
+        <p:spPr bwMode="auto">
+          <a:xfrm>
+            <a:off x="9235143" y="2554218"/>
+            <a:ext cx="565503" cy="565503"/>
+          </a:xfrm>
+          <a:prstGeom prst="rect">
+            <a:avLst/>
+          </a:prstGeom>
+          <a:noFill/>
+          <a:extLst>
+            <a:ext uri="{909E8E84-426E-40DD-AFC4-6F175D3DCCD1}">
+              <a14:hiddenFill xmlns:a14="http://schemas.microsoft.com/office/drawing/2010/main">
+                <a:solidFill>
+                  <a:srgbClr val="FFFFFF"/>
+                </a:solidFill>
+              </a14:hiddenFill>
+            </a:ext>
+          </a:extLst>
+        </p:spPr>
+      </p:pic>
+      <p:pic>
+        <p:nvPicPr>
+          <p:cNvPr id="42" name="Picture 6" descr="Image result for log file icon black"/>
+          <p:cNvPicPr>
+            <a:picLocks noChangeAspect="1" noChangeArrowheads="1"/>
+          </p:cNvPicPr>
+          <p:nvPr/>
+        </p:nvPicPr>
+        <p:blipFill>
+          <a:blip r:embed="rId3">
+            <a:extLst>
+              <a:ext uri="{28A0092B-C50C-407E-A947-70E740481C1C}">
+                <a14:useLocalDpi xmlns:a14="http://schemas.microsoft.com/office/drawing/2010/main" val="0"/>
+              </a:ext>
+            </a:extLst>
+          </a:blip>
+          <a:srcRect/>
+          <a:stretch>
+            <a:fillRect/>
+          </a:stretch>
+        </p:blipFill>
+        <p:spPr bwMode="auto">
+          <a:xfrm>
+            <a:off x="6647186" y="2308034"/>
+            <a:ext cx="949449" cy="949449"/>
+          </a:xfrm>
+          <a:prstGeom prst="rect">
+            <a:avLst/>
+          </a:prstGeom>
+          <a:noFill/>
+          <a:extLst>
+            <a:ext uri="{909E8E84-426E-40DD-AFC4-6F175D3DCCD1}">
+              <a14:hiddenFill xmlns:a14="http://schemas.microsoft.com/office/drawing/2010/main">
+                <a:solidFill>
+                  <a:srgbClr val="FFFFFF"/>
+                </a:solidFill>
+              </a14:hiddenFill>
+            </a:ext>
+          </a:extLst>
+        </p:spPr>
+      </p:pic>
+      <p:cxnSp>
+        <p:nvCxnSpPr>
+          <p:cNvPr id="1032" name="Straight Arrow Connector 1031"/>
+          <p:cNvCxnSpPr>
+            <a:cxnSpLocks/>
+          </p:cNvCxnSpPr>
+          <p:nvPr/>
+        </p:nvCxnSpPr>
+        <p:spPr>
+          <a:xfrm>
+            <a:off x="7592568" y="2213864"/>
+            <a:ext cx="1404541" cy="0"/>
+          </a:xfrm>
+          <a:prstGeom prst="straightConnector1">
+            <a:avLst/>
+          </a:prstGeom>
+          <a:ln>
+            <a:tailEnd type="triangle"/>
+          </a:ln>
+        </p:spPr>
+        <p:style>
+          <a:lnRef idx="1">
+            <a:schemeClr val="dk1"/>
+          </a:lnRef>
+          <a:fillRef idx="0">
+            <a:schemeClr val="dk1"/>
+          </a:fillRef>
+          <a:effectRef idx="0">
+            <a:schemeClr val="dk1"/>
+          </a:effectRef>
+          <a:fontRef idx="minor">
+            <a:schemeClr val="tx1"/>
+          </a:fontRef>
+        </p:style>
+      </p:cxnSp>
+      <p:sp>
+        <p:nvSpPr>
+          <p:cNvPr id="1034" name="TextBox 1033"/>
+          <p:cNvSpPr txBox="1"/>
+          <p:nvPr/>
+        </p:nvSpPr>
+        <p:spPr>
+          <a:xfrm>
+            <a:off x="4228828" y="1402902"/>
+            <a:ext cx="2244525" cy="369332"/>
+          </a:xfrm>
+          <a:prstGeom prst="rect">
+            <a:avLst/>
+          </a:prstGeom>
+          <a:noFill/>
+        </p:spPr>
+        <p:txBody>
+          <a:bodyPr vert="horz" wrap="none" rtlCol="0">
+            <a:spAutoFit/>
+          </a:bodyPr>
+          <a:lstStyle/>
+          <a:p>
+            <a:r>
+              <a:rPr lang="en-US" dirty="0"/>
+              <a:t>Automated test suites</a:t>
+            </a:r>
+          </a:p>
+        </p:txBody>
+      </p:sp>
+      <p:sp>
+        <p:nvSpPr>
+          <p:cNvPr id="1035" name="TextBox 1034"/>
+          <p:cNvSpPr txBox="1"/>
+          <p:nvPr/>
+        </p:nvSpPr>
+        <p:spPr>
+          <a:xfrm>
+            <a:off x="7475137" y="1671567"/>
+            <a:ext cx="1651734" cy="369332"/>
+          </a:xfrm>
+          <a:prstGeom prst="rect">
+            <a:avLst/>
+          </a:prstGeom>
+          <a:noFill/>
+        </p:spPr>
+        <p:txBody>
+          <a:bodyPr wrap="none" rtlCol="0">
+            <a:spAutoFit/>
+          </a:bodyPr>
+          <a:lstStyle/>
+          <a:p>
+            <a:r>
+              <a:rPr lang="en-US" dirty="0"/>
+              <a:t>Post-processing</a:t>
+            </a:r>
+          </a:p>
+        </p:txBody>
+      </p:sp>
+      <p:sp>
+        <p:nvSpPr>
+          <p:cNvPr id="1037" name="Rectangle 1036"/>
+          <p:cNvSpPr/>
+          <p:nvPr/>
+        </p:nvSpPr>
+        <p:spPr>
+          <a:xfrm>
+            <a:off x="2541104" y="1768280"/>
+            <a:ext cx="3932249" cy="1965520"/>
+          </a:xfrm>
+          <a:prstGeom prst="rect">
+            <a:avLst/>
+          </a:prstGeom>
+          <a:noFill/>
+          <a:ln>
+            <a:solidFill>
+              <a:schemeClr val="tx1"/>
+            </a:solidFill>
+          </a:ln>
+        </p:spPr>
+        <p:style>
+          <a:lnRef idx="2">
+            <a:schemeClr val="dk1"/>
+          </a:lnRef>
+          <a:fillRef idx="1">
+            <a:schemeClr val="lt1"/>
+          </a:fillRef>
+          <a:effectRef idx="0">
+            <a:schemeClr val="dk1"/>
+          </a:effectRef>
+          <a:fontRef idx="minor">
+            <a:schemeClr val="dk1"/>
+          </a:fontRef>
+        </p:style>
+        <p:txBody>
+          <a:bodyPr rtlCol="0" anchor="ctr"/>
+          <a:lstStyle/>
+          <a:p>
+            <a:pPr algn="ctr"/>
+            <a:endParaRPr lang="en-US"/>
+          </a:p>
+        </p:txBody>
+      </p:sp>
+      <p:sp>
+        <p:nvSpPr>
+          <p:cNvPr id="3" name="Rectangle: Rounded Corners 2"/>
+          <p:cNvSpPr/>
+          <p:nvPr/>
+        </p:nvSpPr>
+        <p:spPr>
+          <a:xfrm>
+            <a:off x="2743277" y="1513236"/>
+            <a:ext cx="1441097" cy="416908"/>
+          </a:xfrm>
+          <a:prstGeom prst="roundRect">
+            <a:avLst/>
+          </a:prstGeom>
+          <a:solidFill>
+            <a:schemeClr val="bg1"/>
+          </a:solidFill>
+        </p:spPr>
+        <p:style>
+          <a:lnRef idx="2">
+            <a:schemeClr val="dk1"/>
+          </a:lnRef>
+          <a:fillRef idx="1">
+            <a:schemeClr val="lt1"/>
+          </a:fillRef>
+          <a:effectRef idx="0">
+            <a:schemeClr val="dk1"/>
+          </a:effectRef>
+          <a:fontRef idx="minor">
+            <a:schemeClr val="dk1"/>
+          </a:fontRef>
+        </p:style>
+        <p:txBody>
+          <a:bodyPr rtlCol="0" anchor="ctr"/>
+          <a:lstStyle/>
+          <a:p>
+            <a:pPr algn="ctr"/>
+            <a:r>
+              <a:rPr lang="en-US" dirty="0"/>
+              <a:t>QA Capacity</a:t>
+            </a:r>
+          </a:p>
+        </p:txBody>
+      </p:sp>
+      <p:cxnSp>
+        <p:nvCxnSpPr>
+          <p:cNvPr id="1039" name="Straight Arrow Connector 1038"/>
+          <p:cNvCxnSpPr>
+            <a:stCxn id="5" idx="3"/>
+            <a:endCxn id="23" idx="1"/>
+          </p:cNvCxnSpPr>
+          <p:nvPr/>
+        </p:nvCxnSpPr>
+        <p:spPr>
+          <a:xfrm flipV="1">
+            <a:off x="4058727" y="2209292"/>
+            <a:ext cx="582223" cy="1299"/>
+          </a:xfrm>
+          <a:prstGeom prst="straightConnector1">
+            <a:avLst/>
+          </a:prstGeom>
+          <a:ln>
+            <a:tailEnd type="triangle"/>
+          </a:ln>
+        </p:spPr>
+        <p:style>
+          <a:lnRef idx="1">
+            <a:schemeClr val="dk1"/>
+          </a:lnRef>
+          <a:fillRef idx="0">
+            <a:schemeClr val="dk1"/>
+          </a:fillRef>
+          <a:effectRef idx="0">
+            <a:schemeClr val="dk1"/>
+          </a:effectRef>
+          <a:fontRef idx="minor">
+            <a:schemeClr val="tx1"/>
+          </a:fontRef>
+        </p:style>
+      </p:cxnSp>
+      <p:cxnSp>
+        <p:nvCxnSpPr>
+          <p:cNvPr id="1041" name="Straight Arrow Connector 1040"/>
+          <p:cNvCxnSpPr>
+            <a:stCxn id="36" idx="3"/>
+            <a:endCxn id="37" idx="1"/>
+          </p:cNvCxnSpPr>
+          <p:nvPr/>
+        </p:nvCxnSpPr>
+        <p:spPr>
+          <a:xfrm flipV="1">
+            <a:off x="4058727" y="2684780"/>
+            <a:ext cx="582223" cy="4052"/>
+          </a:xfrm>
+          <a:prstGeom prst="straightConnector1">
+            <a:avLst/>
+          </a:prstGeom>
+          <a:ln>
+            <a:tailEnd type="triangle"/>
+          </a:ln>
+        </p:spPr>
+        <p:style>
+          <a:lnRef idx="1">
+            <a:schemeClr val="dk1"/>
+          </a:lnRef>
+          <a:fillRef idx="0">
+            <a:schemeClr val="dk1"/>
+          </a:fillRef>
+          <a:effectRef idx="0">
+            <a:schemeClr val="dk1"/>
+          </a:effectRef>
+          <a:fontRef idx="minor">
+            <a:schemeClr val="tx1"/>
+          </a:fontRef>
+        </p:style>
+      </p:cxnSp>
+      <p:cxnSp>
+        <p:nvCxnSpPr>
+          <p:cNvPr id="1043" name="Straight Arrow Connector 1042"/>
+          <p:cNvCxnSpPr>
+            <a:stCxn id="23" idx="3"/>
+          </p:cNvCxnSpPr>
+          <p:nvPr/>
+        </p:nvCxnSpPr>
+        <p:spPr>
+          <a:xfrm>
+            <a:off x="6151023" y="2209292"/>
+            <a:ext cx="681577" cy="0"/>
+          </a:xfrm>
+          <a:prstGeom prst="straightConnector1">
+            <a:avLst/>
+          </a:prstGeom>
+          <a:ln>
+            <a:tailEnd type="triangle"/>
+          </a:ln>
+        </p:spPr>
+        <p:style>
+          <a:lnRef idx="1">
+            <a:schemeClr val="dk1"/>
+          </a:lnRef>
+          <a:fillRef idx="0">
+            <a:schemeClr val="dk1"/>
+          </a:fillRef>
+          <a:effectRef idx="0">
+            <a:schemeClr val="dk1"/>
+          </a:effectRef>
+          <a:fontRef idx="minor">
+            <a:schemeClr val="tx1"/>
+          </a:fontRef>
+        </p:style>
+      </p:cxnSp>
+      <p:cxnSp>
+        <p:nvCxnSpPr>
+          <p:cNvPr id="59" name="Straight Arrow Connector 58"/>
+          <p:cNvCxnSpPr/>
+          <p:nvPr/>
+        </p:nvCxnSpPr>
+        <p:spPr>
+          <a:xfrm>
+            <a:off x="6147816" y="2684780"/>
+            <a:ext cx="681577" cy="0"/>
+          </a:xfrm>
+          <a:prstGeom prst="straightConnector1">
+            <a:avLst/>
+          </a:prstGeom>
+          <a:ln>
+            <a:tailEnd type="triangle"/>
+          </a:ln>
+        </p:spPr>
+        <p:style>
+          <a:lnRef idx="1">
+            <a:schemeClr val="dk1"/>
+          </a:lnRef>
+          <a:fillRef idx="0">
+            <a:schemeClr val="dk1"/>
+          </a:fillRef>
+          <a:effectRef idx="0">
+            <a:schemeClr val="dk1"/>
+          </a:effectRef>
+          <a:fontRef idx="minor">
+            <a:schemeClr val="tx1"/>
+          </a:fontRef>
+        </p:style>
+      </p:cxnSp>
+      <p:cxnSp>
+        <p:nvCxnSpPr>
+          <p:cNvPr id="60" name="Straight Arrow Connector 59"/>
+          <p:cNvCxnSpPr>
+            <a:cxnSpLocks/>
+          </p:cNvCxnSpPr>
+          <p:nvPr/>
+        </p:nvCxnSpPr>
+        <p:spPr>
+          <a:xfrm>
+            <a:off x="7592568" y="2684780"/>
+            <a:ext cx="1404541" cy="0"/>
+          </a:xfrm>
+          <a:prstGeom prst="straightConnector1">
+            <a:avLst/>
+          </a:prstGeom>
+          <a:ln>
+            <a:tailEnd type="triangle"/>
+          </a:ln>
+        </p:spPr>
+        <p:style>
+          <a:lnRef idx="1">
+            <a:schemeClr val="dk1"/>
+          </a:lnRef>
+          <a:fillRef idx="0">
+            <a:schemeClr val="dk1"/>
+          </a:fillRef>
+          <a:effectRef idx="0">
+            <a:schemeClr val="dk1"/>
+          </a:effectRef>
+          <a:fontRef idx="minor">
+            <a:schemeClr val="tx1"/>
+          </a:fontRef>
+        </p:style>
+      </p:cxnSp>
+      <p:sp>
+        <p:nvSpPr>
+          <p:cNvPr id="81" name="Rectangle 80"/>
+          <p:cNvSpPr/>
+          <p:nvPr/>
+        </p:nvSpPr>
+        <p:spPr>
+          <a:xfrm>
+            <a:off x="1701801" y="1010478"/>
+            <a:ext cx="8674100" cy="3193222"/>
+          </a:xfrm>
+          <a:prstGeom prst="rect">
+            <a:avLst/>
+          </a:prstGeom>
+          <a:noFill/>
+          <a:ln>
+            <a:prstDash val="solid"/>
+          </a:ln>
+        </p:spPr>
+        <p:style>
+          <a:lnRef idx="2">
+            <a:schemeClr val="dk1"/>
+          </a:lnRef>
+          <a:fillRef idx="1">
+            <a:schemeClr val="lt1"/>
+          </a:fillRef>
+          <a:effectRef idx="0">
+            <a:schemeClr val="dk1"/>
+          </a:effectRef>
+          <a:fontRef idx="minor">
+            <a:schemeClr val="dk1"/>
+          </a:fontRef>
+        </p:style>
+        <p:txBody>
+          <a:bodyPr rtlCol="0" anchor="ctr"/>
+          <a:lstStyle/>
+          <a:p>
+            <a:pPr algn="ctr"/>
+            <a:endParaRPr lang="en-US"/>
+          </a:p>
+        </p:txBody>
+      </p:sp>
+      <p:sp>
+        <p:nvSpPr>
+          <p:cNvPr id="22" name="Rectangle: Rounded Corners 21"/>
+          <p:cNvSpPr/>
+          <p:nvPr/>
+        </p:nvSpPr>
+        <p:spPr>
+          <a:xfrm>
+            <a:off x="2019274" y="789191"/>
+            <a:ext cx="1899375" cy="417908"/>
+          </a:xfrm>
+          <a:prstGeom prst="roundRect">
+            <a:avLst/>
+          </a:prstGeom>
+        </p:spPr>
+        <p:style>
+          <a:lnRef idx="2">
+            <a:schemeClr val="dk1"/>
+          </a:lnRef>
+          <a:fillRef idx="1">
+            <a:schemeClr val="lt1"/>
+          </a:fillRef>
+          <a:effectRef idx="0">
+            <a:schemeClr val="dk1"/>
+          </a:effectRef>
+          <a:fontRef idx="minor">
+            <a:schemeClr val="dk1"/>
+          </a:fontRef>
+        </p:style>
+        <p:txBody>
+          <a:bodyPr rtlCol="0" anchor="ctr"/>
+          <a:lstStyle/>
+          <a:p>
+            <a:pPr algn="ctr"/>
+            <a:r>
+              <a:rPr lang="en-US" dirty="0"/>
+              <a:t>Software package</a:t>
+            </a:r>
+          </a:p>
+        </p:txBody>
+      </p:sp>
+      <p:sp>
+        <p:nvSpPr>
+          <p:cNvPr id="83" name="TextBox 82"/>
+          <p:cNvSpPr txBox="1"/>
+          <p:nvPr/>
+        </p:nvSpPr>
+        <p:spPr>
+          <a:xfrm>
+            <a:off x="3918649" y="683136"/>
+            <a:ext cx="519694" cy="338554"/>
+          </a:xfrm>
+          <a:prstGeom prst="rect">
+            <a:avLst/>
+          </a:prstGeom>
+          <a:noFill/>
+        </p:spPr>
+        <p:txBody>
+          <a:bodyPr wrap="none" rtlCol="0">
+            <a:spAutoFit/>
+          </a:bodyPr>
+          <a:lstStyle/>
+          <a:p>
+            <a:r>
+              <a:rPr lang="en-US" sz="1600" i="1" dirty="0"/>
+              <a:t>R2A</a:t>
+            </a:r>
+          </a:p>
+        </p:txBody>
+      </p:sp>
     </p:spTree>
     <p:extLst>
       <p:ext uri="{BB962C8B-B14F-4D97-AF65-F5344CB8AC3E}">
         <p14:creationId xmlns:p14="http://schemas.microsoft.com/office/powerpoint/2010/main" val="3019365403"/>
+      </p:ext>
+    </p:extLst>
+  </p:cSld>
+  <p:clrMapOvr>
+    <a:masterClrMapping/>
+  </p:clrMapOvr>
+</p:sld>
+</file>
+
+<file path=ppt/slides/slide7.xml><?xml version="1.0" encoding="utf-8"?>
+<p:sld xmlns:a="http://schemas.openxmlformats.org/drawingml/2006/main" xmlns:r="http://schemas.openxmlformats.org/officeDocument/2006/relationships" xmlns:p="http://schemas.openxmlformats.org/presentationml/2006/main">
+  <p:cSld>
+    <p:spTree>
+      <p:nvGrpSpPr>
+        <p:cNvPr id="1" name=""/>
+        <p:cNvGrpSpPr/>
+        <p:nvPr/>
+      </p:nvGrpSpPr>
+      <p:grpSpPr>
+        <a:xfrm>
+          <a:off x="0" y="0"/>
+          <a:ext cx="0" cy="0"/>
+          <a:chOff x="0" y="0"/>
+          <a:chExt cx="0" cy="0"/>
+        </a:xfrm>
+      </p:grpSpPr>
+      <p:sp>
+        <p:nvSpPr>
+          <p:cNvPr id="5" name="Rectangle: Rounded Corners 4"/>
+          <p:cNvSpPr/>
+          <p:nvPr/>
+        </p:nvSpPr>
+        <p:spPr>
+          <a:xfrm>
+            <a:off x="2387407" y="2569972"/>
+            <a:ext cx="1188720" cy="322637"/>
+          </a:xfrm>
+          <a:prstGeom prst="roundRect">
+            <a:avLst/>
+          </a:prstGeom>
+        </p:spPr>
+        <p:style>
+          <a:lnRef idx="2">
+            <a:schemeClr val="dk1"/>
+          </a:lnRef>
+          <a:fillRef idx="1">
+            <a:schemeClr val="lt1"/>
+          </a:fillRef>
+          <a:effectRef idx="0">
+            <a:schemeClr val="dk1"/>
+          </a:effectRef>
+          <a:fontRef idx="minor">
+            <a:schemeClr val="dk1"/>
+          </a:fontRef>
+        </p:style>
+        <p:txBody>
+          <a:bodyPr rtlCol="0" anchor="ctr"/>
+          <a:lstStyle/>
+          <a:p>
+            <a:pPr algn="ctr"/>
+            <a:r>
+              <a:rPr lang="en-US" dirty="0"/>
+              <a:t>Test suite</a:t>
+            </a:r>
+          </a:p>
+        </p:txBody>
+      </p:sp>
+      <p:pic>
+        <p:nvPicPr>
+          <p:cNvPr id="1028" name="Picture 4" descr="Image result for data file icon black"/>
+          <p:cNvPicPr>
+            <a:picLocks noChangeAspect="1" noChangeArrowheads="1"/>
+          </p:cNvPicPr>
+          <p:nvPr/>
+        </p:nvPicPr>
+        <p:blipFill>
+          <a:blip r:embed="rId2">
+            <a:extLst>
+              <a:ext uri="{28A0092B-C50C-407E-A947-70E740481C1C}">
+                <a14:useLocalDpi xmlns:a14="http://schemas.microsoft.com/office/drawing/2010/main" val="0"/>
+              </a:ext>
+            </a:extLst>
+          </a:blip>
+          <a:srcRect/>
+          <a:stretch>
+            <a:fillRect/>
+          </a:stretch>
+        </p:blipFill>
+        <p:spPr bwMode="auto">
+          <a:xfrm>
+            <a:off x="9216962" y="1956188"/>
+            <a:ext cx="565503" cy="565503"/>
+          </a:xfrm>
+          <a:prstGeom prst="rect">
+            <a:avLst/>
+          </a:prstGeom>
+          <a:noFill/>
+          <a:extLst>
+            <a:ext uri="{909E8E84-426E-40DD-AFC4-6F175D3DCCD1}">
+              <a14:hiddenFill xmlns:a14="http://schemas.microsoft.com/office/drawing/2010/main">
+                <a:solidFill>
+                  <a:srgbClr val="FFFFFF"/>
+                </a:solidFill>
+              </a14:hiddenFill>
+            </a:ext>
+          </a:extLst>
+        </p:spPr>
+      </p:pic>
+      <p:pic>
+        <p:nvPicPr>
+          <p:cNvPr id="1030" name="Picture 6" descr="Image result for log file icon black"/>
+          <p:cNvPicPr>
+            <a:picLocks noChangeAspect="1" noChangeArrowheads="1"/>
+          </p:cNvPicPr>
+          <p:nvPr/>
+        </p:nvPicPr>
+        <p:blipFill>
+          <a:blip r:embed="rId3">
+            <a:extLst>
+              <a:ext uri="{28A0092B-C50C-407E-A947-70E740481C1C}">
+                <a14:useLocalDpi xmlns:a14="http://schemas.microsoft.com/office/drawing/2010/main" val="0"/>
+              </a:ext>
+            </a:extLst>
+          </a:blip>
+          <a:srcRect/>
+          <a:stretch>
+            <a:fillRect/>
+          </a:stretch>
+        </p:blipFill>
+        <p:spPr bwMode="auto">
+          <a:xfrm>
+            <a:off x="6645147" y="1691086"/>
+            <a:ext cx="949449" cy="949449"/>
+          </a:xfrm>
+          <a:prstGeom prst="rect">
+            <a:avLst/>
+          </a:prstGeom>
+          <a:noFill/>
+          <a:extLst>
+            <a:ext uri="{909E8E84-426E-40DD-AFC4-6F175D3DCCD1}">
+              <a14:hiddenFill xmlns:a14="http://schemas.microsoft.com/office/drawing/2010/main">
+                <a:solidFill>
+                  <a:srgbClr val="FFFFFF"/>
+                </a:solidFill>
+              </a14:hiddenFill>
+            </a:ext>
+          </a:extLst>
+        </p:spPr>
+      </p:pic>
+      <p:cxnSp>
+        <p:nvCxnSpPr>
+          <p:cNvPr id="1032" name="Straight Arrow Connector 1031"/>
+          <p:cNvCxnSpPr>
+            <a:cxnSpLocks/>
+          </p:cNvCxnSpPr>
+          <p:nvPr/>
+        </p:nvCxnSpPr>
+        <p:spPr>
+          <a:xfrm>
+            <a:off x="7592568" y="2290064"/>
+            <a:ext cx="1404541" cy="0"/>
+          </a:xfrm>
+          <a:prstGeom prst="straightConnector1">
+            <a:avLst/>
+          </a:prstGeom>
+          <a:ln>
+            <a:tailEnd type="triangle"/>
+          </a:ln>
+        </p:spPr>
+        <p:style>
+          <a:lnRef idx="1">
+            <a:schemeClr val="dk1"/>
+          </a:lnRef>
+          <a:fillRef idx="0">
+            <a:schemeClr val="dk1"/>
+          </a:fillRef>
+          <a:effectRef idx="0">
+            <a:schemeClr val="dk1"/>
+          </a:effectRef>
+          <a:fontRef idx="minor">
+            <a:schemeClr val="tx1"/>
+          </a:fontRef>
+        </p:style>
+      </p:cxnSp>
+      <p:sp>
+        <p:nvSpPr>
+          <p:cNvPr id="1034" name="TextBox 1033"/>
+          <p:cNvSpPr txBox="1"/>
+          <p:nvPr/>
+        </p:nvSpPr>
+        <p:spPr>
+          <a:xfrm>
+            <a:off x="3900518" y="1183450"/>
+            <a:ext cx="2244525" cy="369332"/>
+          </a:xfrm>
+          <a:prstGeom prst="rect">
+            <a:avLst/>
+          </a:prstGeom>
+          <a:noFill/>
+        </p:spPr>
+        <p:txBody>
+          <a:bodyPr vert="horz" wrap="none" rtlCol="0">
+            <a:spAutoFit/>
+          </a:bodyPr>
+          <a:lstStyle/>
+          <a:p>
+            <a:r>
+              <a:rPr lang="en-US" dirty="0"/>
+              <a:t>Automated test suites</a:t>
+            </a:r>
+          </a:p>
+        </p:txBody>
+      </p:sp>
+      <p:sp>
+        <p:nvSpPr>
+          <p:cNvPr id="1035" name="TextBox 1034"/>
+          <p:cNvSpPr txBox="1"/>
+          <p:nvPr/>
+        </p:nvSpPr>
+        <p:spPr>
+          <a:xfrm>
+            <a:off x="7475137" y="1747767"/>
+            <a:ext cx="1651734" cy="369332"/>
+          </a:xfrm>
+          <a:prstGeom prst="rect">
+            <a:avLst/>
+          </a:prstGeom>
+          <a:noFill/>
+        </p:spPr>
+        <p:txBody>
+          <a:bodyPr wrap="square" rtlCol="0">
+            <a:spAutoFit/>
+          </a:bodyPr>
+          <a:lstStyle/>
+          <a:p>
+            <a:r>
+              <a:rPr lang="en-US" dirty="0"/>
+              <a:t>Post-processing</a:t>
+            </a:r>
+          </a:p>
+        </p:txBody>
+      </p:sp>
+      <p:sp>
+        <p:nvSpPr>
+          <p:cNvPr id="1037" name="Rectangle 1036"/>
+          <p:cNvSpPr/>
+          <p:nvPr/>
+        </p:nvSpPr>
+        <p:spPr>
+          <a:xfrm>
+            <a:off x="2133600" y="1552380"/>
+            <a:ext cx="4339753" cy="4467420"/>
+          </a:xfrm>
+          <a:prstGeom prst="rect">
+            <a:avLst/>
+          </a:prstGeom>
+          <a:noFill/>
+          <a:ln>
+            <a:solidFill>
+              <a:schemeClr val="tx1"/>
+            </a:solidFill>
+            <a:prstDash val="dash"/>
+          </a:ln>
+        </p:spPr>
+        <p:style>
+          <a:lnRef idx="2">
+            <a:schemeClr val="dk1"/>
+          </a:lnRef>
+          <a:fillRef idx="1">
+            <a:schemeClr val="lt1"/>
+          </a:fillRef>
+          <a:effectRef idx="0">
+            <a:schemeClr val="dk1"/>
+          </a:effectRef>
+          <a:fontRef idx="minor">
+            <a:schemeClr val="dk1"/>
+          </a:fontRef>
+        </p:style>
+        <p:txBody>
+          <a:bodyPr rtlCol="0" anchor="ctr"/>
+          <a:lstStyle/>
+          <a:p>
+            <a:pPr algn="ctr"/>
+            <a:endParaRPr lang="en-US"/>
+          </a:p>
+        </p:txBody>
+      </p:sp>
+      <p:sp>
+        <p:nvSpPr>
+          <p:cNvPr id="3" name="Rectangle: Rounded Corners 2"/>
+          <p:cNvSpPr/>
+          <p:nvPr/>
+        </p:nvSpPr>
+        <p:spPr>
+          <a:xfrm>
+            <a:off x="2372736" y="1292039"/>
+            <a:ext cx="1441097" cy="416908"/>
+          </a:xfrm>
+          <a:prstGeom prst="roundRect">
+            <a:avLst/>
+          </a:prstGeom>
+          <a:solidFill>
+            <a:schemeClr val="bg1"/>
+          </a:solidFill>
+        </p:spPr>
+        <p:style>
+          <a:lnRef idx="2">
+            <a:schemeClr val="dk1"/>
+          </a:lnRef>
+          <a:fillRef idx="1">
+            <a:schemeClr val="lt1"/>
+          </a:fillRef>
+          <a:effectRef idx="0">
+            <a:schemeClr val="dk1"/>
+          </a:effectRef>
+          <a:fontRef idx="minor">
+            <a:schemeClr val="dk1"/>
+          </a:fontRef>
+        </p:style>
+        <p:txBody>
+          <a:bodyPr rtlCol="0" anchor="ctr"/>
+          <a:lstStyle/>
+          <a:p>
+            <a:pPr algn="ctr"/>
+            <a:r>
+              <a:rPr lang="en-US" dirty="0"/>
+              <a:t>QA Capacity</a:t>
+            </a:r>
+          </a:p>
+        </p:txBody>
+      </p:sp>
+      <p:cxnSp>
+        <p:nvCxnSpPr>
+          <p:cNvPr id="1039" name="Straight Arrow Connector 1038"/>
+          <p:cNvCxnSpPr>
+            <a:cxnSpLocks/>
+            <a:stCxn id="5" idx="3"/>
+          </p:cNvCxnSpPr>
+          <p:nvPr/>
+        </p:nvCxnSpPr>
+        <p:spPr>
+          <a:xfrm flipV="1">
+            <a:off x="3576127" y="2730500"/>
+            <a:ext cx="342522" cy="791"/>
+          </a:xfrm>
+          <a:prstGeom prst="straightConnector1">
+            <a:avLst/>
+          </a:prstGeom>
+          <a:ln>
+            <a:tailEnd type="triangle"/>
+          </a:ln>
+        </p:spPr>
+        <p:style>
+          <a:lnRef idx="1">
+            <a:schemeClr val="dk1"/>
+          </a:lnRef>
+          <a:fillRef idx="0">
+            <a:schemeClr val="dk1"/>
+          </a:fillRef>
+          <a:effectRef idx="0">
+            <a:schemeClr val="dk1"/>
+          </a:effectRef>
+          <a:fontRef idx="minor">
+            <a:schemeClr val="tx1"/>
+          </a:fontRef>
+        </p:style>
+      </p:cxnSp>
+      <p:cxnSp>
+        <p:nvCxnSpPr>
+          <p:cNvPr id="1043" name="Straight Arrow Connector 1042"/>
+          <p:cNvCxnSpPr>
+            <a:cxnSpLocks/>
+          </p:cNvCxnSpPr>
+          <p:nvPr/>
+        </p:nvCxnSpPr>
+        <p:spPr>
+          <a:xfrm>
+            <a:off x="5816954" y="2373873"/>
+            <a:ext cx="977546" cy="0"/>
+          </a:xfrm>
+          <a:prstGeom prst="straightConnector1">
+            <a:avLst/>
+          </a:prstGeom>
+          <a:ln>
+            <a:tailEnd type="triangle"/>
+          </a:ln>
+        </p:spPr>
+        <p:style>
+          <a:lnRef idx="1">
+            <a:schemeClr val="dk1"/>
+          </a:lnRef>
+          <a:fillRef idx="0">
+            <a:schemeClr val="dk1"/>
+          </a:fillRef>
+          <a:effectRef idx="0">
+            <a:schemeClr val="dk1"/>
+          </a:effectRef>
+          <a:fontRef idx="minor">
+            <a:schemeClr val="tx1"/>
+          </a:fontRef>
+        </p:style>
+      </p:cxnSp>
+      <p:sp>
+        <p:nvSpPr>
+          <p:cNvPr id="81" name="Rectangle 80"/>
+          <p:cNvSpPr/>
+          <p:nvPr/>
+        </p:nvSpPr>
+        <p:spPr>
+          <a:xfrm>
+            <a:off x="1701801" y="794578"/>
+            <a:ext cx="8674100" cy="5695122"/>
+          </a:xfrm>
+          <a:prstGeom prst="rect">
+            <a:avLst/>
+          </a:prstGeom>
+          <a:noFill/>
+          <a:ln>
+            <a:prstDash val="solid"/>
+          </a:ln>
+        </p:spPr>
+        <p:style>
+          <a:lnRef idx="2">
+            <a:schemeClr val="dk1"/>
+          </a:lnRef>
+          <a:fillRef idx="1">
+            <a:schemeClr val="lt1"/>
+          </a:fillRef>
+          <a:effectRef idx="0">
+            <a:schemeClr val="dk1"/>
+          </a:effectRef>
+          <a:fontRef idx="minor">
+            <a:schemeClr val="dk1"/>
+          </a:fontRef>
+        </p:style>
+        <p:txBody>
+          <a:bodyPr rtlCol="0" anchor="ctr"/>
+          <a:lstStyle/>
+          <a:p>
+            <a:pPr algn="ctr"/>
+            <a:endParaRPr lang="en-US"/>
+          </a:p>
+        </p:txBody>
+      </p:sp>
+      <p:sp>
+        <p:nvSpPr>
+          <p:cNvPr id="22" name="Rectangle: Rounded Corners 21"/>
+          <p:cNvSpPr/>
+          <p:nvPr/>
+        </p:nvSpPr>
+        <p:spPr>
+          <a:xfrm>
+            <a:off x="2019274" y="573291"/>
+            <a:ext cx="1899375" cy="417908"/>
+          </a:xfrm>
+          <a:prstGeom prst="roundRect">
+            <a:avLst/>
+          </a:prstGeom>
+        </p:spPr>
+        <p:style>
+          <a:lnRef idx="2">
+            <a:schemeClr val="dk1"/>
+          </a:lnRef>
+          <a:fillRef idx="1">
+            <a:schemeClr val="lt1"/>
+          </a:fillRef>
+          <a:effectRef idx="0">
+            <a:schemeClr val="dk1"/>
+          </a:effectRef>
+          <a:fontRef idx="minor">
+            <a:schemeClr val="dk1"/>
+          </a:fontRef>
+        </p:style>
+        <p:txBody>
+          <a:bodyPr rtlCol="0" anchor="ctr"/>
+          <a:lstStyle/>
+          <a:p>
+            <a:pPr algn="ctr"/>
+            <a:r>
+              <a:rPr lang="en-US" dirty="0"/>
+              <a:t>Software package</a:t>
+            </a:r>
+          </a:p>
+        </p:txBody>
+      </p:sp>
+      <p:sp>
+        <p:nvSpPr>
+          <p:cNvPr id="83" name="TextBox 82"/>
+          <p:cNvSpPr txBox="1"/>
+          <p:nvPr/>
+        </p:nvSpPr>
+        <p:spPr>
+          <a:xfrm>
+            <a:off x="3918649" y="467236"/>
+            <a:ext cx="519694" cy="338554"/>
+          </a:xfrm>
+          <a:prstGeom prst="rect">
+            <a:avLst/>
+          </a:prstGeom>
+          <a:noFill/>
+        </p:spPr>
+        <p:txBody>
+          <a:bodyPr wrap="none" rtlCol="0">
+            <a:spAutoFit/>
+          </a:bodyPr>
+          <a:lstStyle/>
+          <a:p>
+            <a:r>
+              <a:rPr lang="en-US" sz="1600" i="1" dirty="0"/>
+              <a:t>R2A</a:t>
+            </a:r>
+          </a:p>
+        </p:txBody>
+      </p:sp>
+      <p:sp>
+        <p:nvSpPr>
+          <p:cNvPr id="8" name="Rectangle 7"/>
+          <p:cNvSpPr/>
+          <p:nvPr/>
+        </p:nvSpPr>
+        <p:spPr>
+          <a:xfrm>
+            <a:off x="3918649" y="2050463"/>
+            <a:ext cx="1894900" cy="1607138"/>
+          </a:xfrm>
+          <a:prstGeom prst="rect">
+            <a:avLst/>
+          </a:prstGeom>
+          <a:noFill/>
+          <a:ln>
+            <a:solidFill>
+              <a:schemeClr val="tx1"/>
+            </a:solidFill>
+          </a:ln>
+        </p:spPr>
+        <p:style>
+          <a:lnRef idx="2">
+            <a:schemeClr val="accent1">
+              <a:shade val="50000"/>
+            </a:schemeClr>
+          </a:lnRef>
+          <a:fillRef idx="1">
+            <a:schemeClr val="accent1"/>
+          </a:fillRef>
+          <a:effectRef idx="0">
+            <a:schemeClr val="accent1"/>
+          </a:effectRef>
+          <a:fontRef idx="minor">
+            <a:schemeClr val="lt1"/>
+          </a:fontRef>
+        </p:style>
+        <p:txBody>
+          <a:bodyPr rtlCol="0" anchor="ctr"/>
+          <a:lstStyle/>
+          <a:p>
+            <a:pPr algn="ctr"/>
+            <a:endParaRPr lang="en-US"/>
+          </a:p>
+        </p:txBody>
+      </p:sp>
+      <p:sp>
+        <p:nvSpPr>
+          <p:cNvPr id="23" name="Rectangle: Rounded Corners 22"/>
+          <p:cNvSpPr/>
+          <p:nvPr/>
+        </p:nvSpPr>
+        <p:spPr>
+          <a:xfrm>
+            <a:off x="4131335" y="1708050"/>
+            <a:ext cx="1510073" cy="320040"/>
+          </a:xfrm>
+          <a:prstGeom prst="roundRect">
+            <a:avLst/>
+          </a:prstGeom>
+          <a:ln>
+            <a:noFill/>
+          </a:ln>
+        </p:spPr>
+        <p:style>
+          <a:lnRef idx="2">
+            <a:schemeClr val="dk1"/>
+          </a:lnRef>
+          <a:fillRef idx="1">
+            <a:schemeClr val="lt1"/>
+          </a:fillRef>
+          <a:effectRef idx="0">
+            <a:schemeClr val="dk1"/>
+          </a:effectRef>
+          <a:fontRef idx="minor">
+            <a:schemeClr val="dk1"/>
+          </a:fontRef>
+        </p:style>
+        <p:txBody>
+          <a:bodyPr rtlCol="0" anchor="ctr"/>
+          <a:lstStyle/>
+          <a:p>
+            <a:pPr algn="ctr"/>
+            <a:r>
+              <a:rPr lang="en-US" dirty="0"/>
+              <a:t>Logging loop</a:t>
+            </a:r>
+          </a:p>
+        </p:txBody>
+      </p:sp>
+      <p:sp>
+        <p:nvSpPr>
+          <p:cNvPr id="30" name="Rectangle: Rounded Corners 29"/>
+          <p:cNvSpPr/>
+          <p:nvPr/>
+        </p:nvSpPr>
+        <p:spPr>
+          <a:xfrm>
+            <a:off x="4275496" y="2212555"/>
+            <a:ext cx="1188720" cy="322637"/>
+          </a:xfrm>
+          <a:prstGeom prst="roundRect">
+            <a:avLst/>
+          </a:prstGeom>
+        </p:spPr>
+        <p:style>
+          <a:lnRef idx="2">
+            <a:schemeClr val="dk1"/>
+          </a:lnRef>
+          <a:fillRef idx="1">
+            <a:schemeClr val="lt1"/>
+          </a:fillRef>
+          <a:effectRef idx="0">
+            <a:schemeClr val="dk1"/>
+          </a:effectRef>
+          <a:fontRef idx="minor">
+            <a:schemeClr val="dk1"/>
+          </a:fontRef>
+        </p:style>
+        <p:txBody>
+          <a:bodyPr rtlCol="0" anchor="ctr"/>
+          <a:lstStyle/>
+          <a:p>
+            <a:pPr algn="ctr"/>
+            <a:r>
+              <a:rPr lang="en-US" dirty="0"/>
+              <a:t>Test case</a:t>
+            </a:r>
+          </a:p>
+        </p:txBody>
+      </p:sp>
+      <p:sp>
+        <p:nvSpPr>
+          <p:cNvPr id="31" name="Rectangle: Rounded Corners 30"/>
+          <p:cNvSpPr/>
+          <p:nvPr/>
+        </p:nvSpPr>
+        <p:spPr>
+          <a:xfrm>
+            <a:off x="4273871" y="2654815"/>
+            <a:ext cx="1188720" cy="322637"/>
+          </a:xfrm>
+          <a:prstGeom prst="roundRect">
+            <a:avLst/>
+          </a:prstGeom>
+        </p:spPr>
+        <p:style>
+          <a:lnRef idx="2">
+            <a:schemeClr val="dk1"/>
+          </a:lnRef>
+          <a:fillRef idx="1">
+            <a:schemeClr val="lt1"/>
+          </a:fillRef>
+          <a:effectRef idx="0">
+            <a:schemeClr val="dk1"/>
+          </a:effectRef>
+          <a:fontRef idx="minor">
+            <a:schemeClr val="dk1"/>
+          </a:fontRef>
+        </p:style>
+        <p:txBody>
+          <a:bodyPr rtlCol="0" anchor="ctr"/>
+          <a:lstStyle/>
+          <a:p>
+            <a:pPr algn="ctr"/>
+            <a:r>
+              <a:rPr lang="en-US" dirty="0"/>
+              <a:t>Test case</a:t>
+            </a:r>
+          </a:p>
+        </p:txBody>
+      </p:sp>
+      <p:sp>
+        <p:nvSpPr>
+          <p:cNvPr id="33" name="Rectangle 32"/>
+          <p:cNvSpPr/>
+          <p:nvPr/>
+        </p:nvSpPr>
+        <p:spPr>
+          <a:xfrm>
+            <a:off x="4391782" y="3051854"/>
+            <a:ext cx="974034" cy="479046"/>
+          </a:xfrm>
+          <a:prstGeom prst="rect">
+            <a:avLst/>
+          </a:prstGeom>
+          <a:noFill/>
+          <a:ln>
+            <a:noFill/>
+          </a:ln>
+        </p:spPr>
+        <p:style>
+          <a:lnRef idx="2">
+            <a:schemeClr val="accent1">
+              <a:shade val="50000"/>
+            </a:schemeClr>
+          </a:lnRef>
+          <a:fillRef idx="1">
+            <a:schemeClr val="accent1"/>
+          </a:fillRef>
+          <a:effectRef idx="0">
+            <a:schemeClr val="accent1"/>
+          </a:effectRef>
+          <a:fontRef idx="minor">
+            <a:schemeClr val="lt1"/>
+          </a:fontRef>
+        </p:style>
+        <p:txBody>
+          <a:bodyPr rtlCol="0" anchor="ctr"/>
+          <a:lstStyle/>
+          <a:p>
+            <a:pPr algn="ctr"/>
+            <a:r>
+              <a:rPr lang="en-US" sz="1050" b="1" dirty="0">
+                <a:ln w="0"/>
+                <a:solidFill>
+                  <a:schemeClr val="tx1"/>
+                </a:solidFill>
+              </a:rPr>
+              <a:t>.</a:t>
+            </a:r>
+          </a:p>
+          <a:p>
+            <a:pPr algn="ctr"/>
+            <a:r>
+              <a:rPr lang="en-US" sz="1050" b="1" dirty="0">
+                <a:ln w="0"/>
+                <a:solidFill>
+                  <a:schemeClr val="tx1"/>
+                </a:solidFill>
+              </a:rPr>
+              <a:t>. </a:t>
+            </a:r>
+          </a:p>
+          <a:p>
+            <a:pPr algn="ctr"/>
+            <a:r>
+              <a:rPr lang="en-US" sz="1050" b="1" dirty="0">
+                <a:ln w="0"/>
+                <a:solidFill>
+                  <a:schemeClr val="tx1"/>
+                </a:solidFill>
+              </a:rPr>
+              <a:t>.</a:t>
+            </a:r>
+          </a:p>
+        </p:txBody>
+      </p:sp>
+      <p:pic>
+        <p:nvPicPr>
+          <p:cNvPr id="39" name="Picture 4" descr="Image result for data file icon black"/>
+          <p:cNvPicPr>
+            <a:picLocks noChangeAspect="1" noChangeArrowheads="1"/>
+          </p:cNvPicPr>
+          <p:nvPr/>
+        </p:nvPicPr>
+        <p:blipFill>
+          <a:blip r:embed="rId2">
+            <a:extLst>
+              <a:ext uri="{28A0092B-C50C-407E-A947-70E740481C1C}">
+                <a14:useLocalDpi xmlns:a14="http://schemas.microsoft.com/office/drawing/2010/main" val="0"/>
+              </a:ext>
+            </a:extLst>
+          </a:blip>
+          <a:srcRect/>
+          <a:stretch>
+            <a:fillRect/>
+          </a:stretch>
+        </p:blipFill>
+        <p:spPr bwMode="auto">
+          <a:xfrm>
+            <a:off x="9226177" y="2561207"/>
+            <a:ext cx="565503" cy="565503"/>
+          </a:xfrm>
+          <a:prstGeom prst="rect">
+            <a:avLst/>
+          </a:prstGeom>
+          <a:noFill/>
+          <a:extLst>
+            <a:ext uri="{909E8E84-426E-40DD-AFC4-6F175D3DCCD1}">
+              <a14:hiddenFill xmlns:a14="http://schemas.microsoft.com/office/drawing/2010/main">
+                <a:solidFill>
+                  <a:srgbClr val="FFFFFF"/>
+                </a:solidFill>
+              </a14:hiddenFill>
+            </a:ext>
+          </a:extLst>
+        </p:spPr>
+      </p:pic>
+      <p:pic>
+        <p:nvPicPr>
+          <p:cNvPr id="43" name="Picture 6" descr="Image result for log file icon black"/>
+          <p:cNvPicPr>
+            <a:picLocks noChangeAspect="1" noChangeArrowheads="1"/>
+          </p:cNvPicPr>
+          <p:nvPr/>
+        </p:nvPicPr>
+        <p:blipFill>
+          <a:blip r:embed="rId3">
+            <a:extLst>
+              <a:ext uri="{28A0092B-C50C-407E-A947-70E740481C1C}">
+                <a14:useLocalDpi xmlns:a14="http://schemas.microsoft.com/office/drawing/2010/main" val="0"/>
+              </a:ext>
+            </a:extLst>
+          </a:blip>
+          <a:srcRect/>
+          <a:stretch>
+            <a:fillRect/>
+          </a:stretch>
+        </p:blipFill>
+        <p:spPr bwMode="auto">
+          <a:xfrm>
+            <a:off x="6654362" y="2296105"/>
+            <a:ext cx="949449" cy="949449"/>
+          </a:xfrm>
+          <a:prstGeom prst="rect">
+            <a:avLst/>
+          </a:prstGeom>
+          <a:noFill/>
+          <a:extLst>
+            <a:ext uri="{909E8E84-426E-40DD-AFC4-6F175D3DCCD1}">
+              <a14:hiddenFill xmlns:a14="http://schemas.microsoft.com/office/drawing/2010/main">
+                <a:solidFill>
+                  <a:srgbClr val="FFFFFF"/>
+                </a:solidFill>
+              </a14:hiddenFill>
+            </a:ext>
+          </a:extLst>
+        </p:spPr>
+      </p:pic>
+      <p:cxnSp>
+        <p:nvCxnSpPr>
+          <p:cNvPr id="44" name="Straight Arrow Connector 43"/>
+          <p:cNvCxnSpPr>
+            <a:cxnSpLocks/>
+          </p:cNvCxnSpPr>
+          <p:nvPr/>
+        </p:nvCxnSpPr>
+        <p:spPr>
+          <a:xfrm>
+            <a:off x="7601783" y="2780783"/>
+            <a:ext cx="1404541" cy="0"/>
+          </a:xfrm>
+          <a:prstGeom prst="straightConnector1">
+            <a:avLst/>
+          </a:prstGeom>
+          <a:ln>
+            <a:tailEnd type="triangle"/>
+          </a:ln>
+        </p:spPr>
+        <p:style>
+          <a:lnRef idx="1">
+            <a:schemeClr val="dk1"/>
+          </a:lnRef>
+          <a:fillRef idx="0">
+            <a:schemeClr val="dk1"/>
+          </a:fillRef>
+          <a:effectRef idx="0">
+            <a:schemeClr val="dk1"/>
+          </a:effectRef>
+          <a:fontRef idx="minor">
+            <a:schemeClr val="tx1"/>
+          </a:fontRef>
+        </p:style>
+      </p:cxnSp>
+      <p:cxnSp>
+        <p:nvCxnSpPr>
+          <p:cNvPr id="49" name="Straight Arrow Connector 48"/>
+          <p:cNvCxnSpPr>
+            <a:cxnSpLocks/>
+          </p:cNvCxnSpPr>
+          <p:nvPr/>
+        </p:nvCxnSpPr>
+        <p:spPr>
+          <a:xfrm>
+            <a:off x="5813549" y="2794000"/>
+            <a:ext cx="977546" cy="0"/>
+          </a:xfrm>
+          <a:prstGeom prst="straightConnector1">
+            <a:avLst/>
+          </a:prstGeom>
+          <a:ln>
+            <a:tailEnd type="triangle"/>
+          </a:ln>
+        </p:spPr>
+        <p:style>
+          <a:lnRef idx="1">
+            <a:schemeClr val="dk1"/>
+          </a:lnRef>
+          <a:fillRef idx="0">
+            <a:schemeClr val="dk1"/>
+          </a:fillRef>
+          <a:effectRef idx="0">
+            <a:schemeClr val="dk1"/>
+          </a:effectRef>
+          <a:fontRef idx="minor">
+            <a:schemeClr val="tx1"/>
+          </a:fontRef>
+        </p:style>
+      </p:cxnSp>
+      <p:sp>
+        <p:nvSpPr>
+          <p:cNvPr id="51" name="Rectangle: Rounded Corners 50"/>
+          <p:cNvSpPr/>
+          <p:nvPr/>
+        </p:nvSpPr>
+        <p:spPr>
+          <a:xfrm>
+            <a:off x="2388998" y="4657213"/>
+            <a:ext cx="1188720" cy="322637"/>
+          </a:xfrm>
+          <a:prstGeom prst="roundRect">
+            <a:avLst/>
+          </a:prstGeom>
+        </p:spPr>
+        <p:style>
+          <a:lnRef idx="2">
+            <a:schemeClr val="dk1"/>
+          </a:lnRef>
+          <a:fillRef idx="1">
+            <a:schemeClr val="lt1"/>
+          </a:fillRef>
+          <a:effectRef idx="0">
+            <a:schemeClr val="dk1"/>
+          </a:effectRef>
+          <a:fontRef idx="minor">
+            <a:schemeClr val="dk1"/>
+          </a:fontRef>
+        </p:style>
+        <p:txBody>
+          <a:bodyPr rtlCol="0" anchor="ctr"/>
+          <a:lstStyle/>
+          <a:p>
+            <a:pPr algn="ctr"/>
+            <a:r>
+              <a:rPr lang="en-US" dirty="0"/>
+              <a:t>Test suite</a:t>
+            </a:r>
+          </a:p>
+        </p:txBody>
+      </p:sp>
+      <p:pic>
+        <p:nvPicPr>
+          <p:cNvPr id="52" name="Picture 4" descr="Image result for data file icon black"/>
+          <p:cNvPicPr>
+            <a:picLocks noChangeAspect="1" noChangeArrowheads="1"/>
+          </p:cNvPicPr>
+          <p:nvPr/>
+        </p:nvPicPr>
+        <p:blipFill>
+          <a:blip r:embed="rId2">
+            <a:extLst>
+              <a:ext uri="{28A0092B-C50C-407E-A947-70E740481C1C}">
+                <a14:useLocalDpi xmlns:a14="http://schemas.microsoft.com/office/drawing/2010/main" val="0"/>
+              </a:ext>
+            </a:extLst>
+          </a:blip>
+          <a:srcRect/>
+          <a:stretch>
+            <a:fillRect/>
+          </a:stretch>
+        </p:blipFill>
+        <p:spPr bwMode="auto">
+          <a:xfrm>
+            <a:off x="9218553" y="4043429"/>
+            <a:ext cx="565503" cy="565503"/>
+          </a:xfrm>
+          <a:prstGeom prst="rect">
+            <a:avLst/>
+          </a:prstGeom>
+          <a:noFill/>
+          <a:extLst>
+            <a:ext uri="{909E8E84-426E-40DD-AFC4-6F175D3DCCD1}">
+              <a14:hiddenFill xmlns:a14="http://schemas.microsoft.com/office/drawing/2010/main">
+                <a:solidFill>
+                  <a:srgbClr val="FFFFFF"/>
+                </a:solidFill>
+              </a14:hiddenFill>
+            </a:ext>
+          </a:extLst>
+        </p:spPr>
+      </p:pic>
+      <p:pic>
+        <p:nvPicPr>
+          <p:cNvPr id="53" name="Picture 6" descr="Image result for log file icon black"/>
+          <p:cNvPicPr>
+            <a:picLocks noChangeAspect="1" noChangeArrowheads="1"/>
+          </p:cNvPicPr>
+          <p:nvPr/>
+        </p:nvPicPr>
+        <p:blipFill>
+          <a:blip r:embed="rId3">
+            <a:extLst>
+              <a:ext uri="{28A0092B-C50C-407E-A947-70E740481C1C}">
+                <a14:useLocalDpi xmlns:a14="http://schemas.microsoft.com/office/drawing/2010/main" val="0"/>
+              </a:ext>
+            </a:extLst>
+          </a:blip>
+          <a:srcRect/>
+          <a:stretch>
+            <a:fillRect/>
+          </a:stretch>
+        </p:blipFill>
+        <p:spPr bwMode="auto">
+          <a:xfrm>
+            <a:off x="6646738" y="3778327"/>
+            <a:ext cx="949449" cy="949449"/>
+          </a:xfrm>
+          <a:prstGeom prst="rect">
+            <a:avLst/>
+          </a:prstGeom>
+          <a:noFill/>
+          <a:extLst>
+            <a:ext uri="{909E8E84-426E-40DD-AFC4-6F175D3DCCD1}">
+              <a14:hiddenFill xmlns:a14="http://schemas.microsoft.com/office/drawing/2010/main">
+                <a:solidFill>
+                  <a:srgbClr val="FFFFFF"/>
+                </a:solidFill>
+              </a14:hiddenFill>
+            </a:ext>
+          </a:extLst>
+        </p:spPr>
+      </p:pic>
+      <p:cxnSp>
+        <p:nvCxnSpPr>
+          <p:cNvPr id="54" name="Straight Arrow Connector 53"/>
+          <p:cNvCxnSpPr>
+            <a:cxnSpLocks/>
+          </p:cNvCxnSpPr>
+          <p:nvPr/>
+        </p:nvCxnSpPr>
+        <p:spPr>
+          <a:xfrm>
+            <a:off x="7594159" y="4377305"/>
+            <a:ext cx="1404541" cy="0"/>
+          </a:xfrm>
+          <a:prstGeom prst="straightConnector1">
+            <a:avLst/>
+          </a:prstGeom>
+          <a:ln>
+            <a:tailEnd type="triangle"/>
+          </a:ln>
+        </p:spPr>
+        <p:style>
+          <a:lnRef idx="1">
+            <a:schemeClr val="dk1"/>
+          </a:lnRef>
+          <a:fillRef idx="0">
+            <a:schemeClr val="dk1"/>
+          </a:fillRef>
+          <a:effectRef idx="0">
+            <a:schemeClr val="dk1"/>
+          </a:effectRef>
+          <a:fontRef idx="minor">
+            <a:schemeClr val="tx1"/>
+          </a:fontRef>
+        </p:style>
+      </p:cxnSp>
+      <p:cxnSp>
+        <p:nvCxnSpPr>
+          <p:cNvPr id="55" name="Straight Arrow Connector 54"/>
+          <p:cNvCxnSpPr>
+            <a:cxnSpLocks/>
+            <a:stCxn id="51" idx="3"/>
+          </p:cNvCxnSpPr>
+          <p:nvPr/>
+        </p:nvCxnSpPr>
+        <p:spPr>
+          <a:xfrm flipV="1">
+            <a:off x="3577718" y="4817741"/>
+            <a:ext cx="342522" cy="791"/>
+          </a:xfrm>
+          <a:prstGeom prst="straightConnector1">
+            <a:avLst/>
+          </a:prstGeom>
+          <a:ln>
+            <a:tailEnd type="triangle"/>
+          </a:ln>
+        </p:spPr>
+        <p:style>
+          <a:lnRef idx="1">
+            <a:schemeClr val="dk1"/>
+          </a:lnRef>
+          <a:fillRef idx="0">
+            <a:schemeClr val="dk1"/>
+          </a:fillRef>
+          <a:effectRef idx="0">
+            <a:schemeClr val="dk1"/>
+          </a:effectRef>
+          <a:fontRef idx="minor">
+            <a:schemeClr val="tx1"/>
+          </a:fontRef>
+        </p:style>
+      </p:cxnSp>
+      <p:cxnSp>
+        <p:nvCxnSpPr>
+          <p:cNvPr id="56" name="Straight Arrow Connector 55"/>
+          <p:cNvCxnSpPr>
+            <a:cxnSpLocks/>
+          </p:cNvCxnSpPr>
+          <p:nvPr/>
+        </p:nvCxnSpPr>
+        <p:spPr>
+          <a:xfrm>
+            <a:off x="5818545" y="4461114"/>
+            <a:ext cx="977546" cy="0"/>
+          </a:xfrm>
+          <a:prstGeom prst="straightConnector1">
+            <a:avLst/>
+          </a:prstGeom>
+          <a:ln>
+            <a:tailEnd type="triangle"/>
+          </a:ln>
+        </p:spPr>
+        <p:style>
+          <a:lnRef idx="1">
+            <a:schemeClr val="dk1"/>
+          </a:lnRef>
+          <a:fillRef idx="0">
+            <a:schemeClr val="dk1"/>
+          </a:fillRef>
+          <a:effectRef idx="0">
+            <a:schemeClr val="dk1"/>
+          </a:effectRef>
+          <a:fontRef idx="minor">
+            <a:schemeClr val="tx1"/>
+          </a:fontRef>
+        </p:style>
+      </p:cxnSp>
+      <p:sp>
+        <p:nvSpPr>
+          <p:cNvPr id="57" name="Rectangle 56"/>
+          <p:cNvSpPr/>
+          <p:nvPr/>
+        </p:nvSpPr>
+        <p:spPr>
+          <a:xfrm>
+            <a:off x="3920240" y="4137704"/>
+            <a:ext cx="1894900" cy="1607138"/>
+          </a:xfrm>
+          <a:prstGeom prst="rect">
+            <a:avLst/>
+          </a:prstGeom>
+          <a:noFill/>
+          <a:ln>
+            <a:solidFill>
+              <a:schemeClr val="tx1"/>
+            </a:solidFill>
+          </a:ln>
+        </p:spPr>
+        <p:style>
+          <a:lnRef idx="2">
+            <a:schemeClr val="accent1">
+              <a:shade val="50000"/>
+            </a:schemeClr>
+          </a:lnRef>
+          <a:fillRef idx="1">
+            <a:schemeClr val="accent1"/>
+          </a:fillRef>
+          <a:effectRef idx="0">
+            <a:schemeClr val="accent1"/>
+          </a:effectRef>
+          <a:fontRef idx="minor">
+            <a:schemeClr val="lt1"/>
+          </a:fontRef>
+        </p:style>
+        <p:txBody>
+          <a:bodyPr rtlCol="0" anchor="ctr"/>
+          <a:lstStyle/>
+          <a:p>
+            <a:pPr algn="ctr"/>
+            <a:endParaRPr lang="en-US"/>
+          </a:p>
+        </p:txBody>
+      </p:sp>
+      <p:sp>
+        <p:nvSpPr>
+          <p:cNvPr id="58" name="Rectangle: Rounded Corners 57"/>
+          <p:cNvSpPr/>
+          <p:nvPr/>
+        </p:nvSpPr>
+        <p:spPr>
+          <a:xfrm>
+            <a:off x="4132926" y="3795291"/>
+            <a:ext cx="1510073" cy="320040"/>
+          </a:xfrm>
+          <a:prstGeom prst="roundRect">
+            <a:avLst/>
+          </a:prstGeom>
+          <a:ln>
+            <a:noFill/>
+          </a:ln>
+        </p:spPr>
+        <p:style>
+          <a:lnRef idx="2">
+            <a:schemeClr val="dk1"/>
+          </a:lnRef>
+          <a:fillRef idx="1">
+            <a:schemeClr val="lt1"/>
+          </a:fillRef>
+          <a:effectRef idx="0">
+            <a:schemeClr val="dk1"/>
+          </a:effectRef>
+          <a:fontRef idx="minor">
+            <a:schemeClr val="dk1"/>
+          </a:fontRef>
+        </p:style>
+        <p:txBody>
+          <a:bodyPr rtlCol="0" anchor="ctr"/>
+          <a:lstStyle/>
+          <a:p>
+            <a:pPr algn="ctr"/>
+            <a:r>
+              <a:rPr lang="en-US" dirty="0"/>
+              <a:t>Logging loop</a:t>
+            </a:r>
+          </a:p>
+        </p:txBody>
+      </p:sp>
+      <p:sp>
+        <p:nvSpPr>
+          <p:cNvPr id="61" name="Rectangle: Rounded Corners 60"/>
+          <p:cNvSpPr/>
+          <p:nvPr/>
+        </p:nvSpPr>
+        <p:spPr>
+          <a:xfrm>
+            <a:off x="4277087" y="4299796"/>
+            <a:ext cx="1188720" cy="322637"/>
+          </a:xfrm>
+          <a:prstGeom prst="roundRect">
+            <a:avLst/>
+          </a:prstGeom>
+        </p:spPr>
+        <p:style>
+          <a:lnRef idx="2">
+            <a:schemeClr val="dk1"/>
+          </a:lnRef>
+          <a:fillRef idx="1">
+            <a:schemeClr val="lt1"/>
+          </a:fillRef>
+          <a:effectRef idx="0">
+            <a:schemeClr val="dk1"/>
+          </a:effectRef>
+          <a:fontRef idx="minor">
+            <a:schemeClr val="dk1"/>
+          </a:fontRef>
+        </p:style>
+        <p:txBody>
+          <a:bodyPr rtlCol="0" anchor="ctr"/>
+          <a:lstStyle/>
+          <a:p>
+            <a:pPr algn="ctr"/>
+            <a:r>
+              <a:rPr lang="en-US" dirty="0"/>
+              <a:t>Test case</a:t>
+            </a:r>
+          </a:p>
+        </p:txBody>
+      </p:sp>
+      <p:sp>
+        <p:nvSpPr>
+          <p:cNvPr id="62" name="Rectangle: Rounded Corners 61"/>
+          <p:cNvSpPr/>
+          <p:nvPr/>
+        </p:nvSpPr>
+        <p:spPr>
+          <a:xfrm>
+            <a:off x="4275462" y="4742056"/>
+            <a:ext cx="1188720" cy="322637"/>
+          </a:xfrm>
+          <a:prstGeom prst="roundRect">
+            <a:avLst/>
+          </a:prstGeom>
+        </p:spPr>
+        <p:style>
+          <a:lnRef idx="2">
+            <a:schemeClr val="dk1"/>
+          </a:lnRef>
+          <a:fillRef idx="1">
+            <a:schemeClr val="lt1"/>
+          </a:fillRef>
+          <a:effectRef idx="0">
+            <a:schemeClr val="dk1"/>
+          </a:effectRef>
+          <a:fontRef idx="minor">
+            <a:schemeClr val="dk1"/>
+          </a:fontRef>
+        </p:style>
+        <p:txBody>
+          <a:bodyPr rtlCol="0" anchor="ctr"/>
+          <a:lstStyle/>
+          <a:p>
+            <a:pPr algn="ctr"/>
+            <a:r>
+              <a:rPr lang="en-US" dirty="0"/>
+              <a:t>Test case</a:t>
+            </a:r>
+          </a:p>
+        </p:txBody>
+      </p:sp>
+      <p:sp>
+        <p:nvSpPr>
+          <p:cNvPr id="63" name="Rectangle 62"/>
+          <p:cNvSpPr/>
+          <p:nvPr/>
+        </p:nvSpPr>
+        <p:spPr>
+          <a:xfrm>
+            <a:off x="4393373" y="5139095"/>
+            <a:ext cx="974034" cy="479046"/>
+          </a:xfrm>
+          <a:prstGeom prst="rect">
+            <a:avLst/>
+          </a:prstGeom>
+          <a:noFill/>
+          <a:ln>
+            <a:noFill/>
+          </a:ln>
+        </p:spPr>
+        <p:style>
+          <a:lnRef idx="2">
+            <a:schemeClr val="accent1">
+              <a:shade val="50000"/>
+            </a:schemeClr>
+          </a:lnRef>
+          <a:fillRef idx="1">
+            <a:schemeClr val="accent1"/>
+          </a:fillRef>
+          <a:effectRef idx="0">
+            <a:schemeClr val="accent1"/>
+          </a:effectRef>
+          <a:fontRef idx="minor">
+            <a:schemeClr val="lt1"/>
+          </a:fontRef>
+        </p:style>
+        <p:txBody>
+          <a:bodyPr rtlCol="0" anchor="ctr"/>
+          <a:lstStyle/>
+          <a:p>
+            <a:pPr algn="ctr"/>
+            <a:r>
+              <a:rPr lang="en-US" sz="1050" b="1" dirty="0">
+                <a:ln w="0"/>
+                <a:solidFill>
+                  <a:schemeClr val="tx1"/>
+                </a:solidFill>
+              </a:rPr>
+              <a:t>.</a:t>
+            </a:r>
+          </a:p>
+          <a:p>
+            <a:pPr algn="ctr"/>
+            <a:r>
+              <a:rPr lang="en-US" sz="1050" b="1" dirty="0">
+                <a:ln w="0"/>
+                <a:solidFill>
+                  <a:schemeClr val="tx1"/>
+                </a:solidFill>
+              </a:rPr>
+              <a:t>. </a:t>
+            </a:r>
+          </a:p>
+          <a:p>
+            <a:pPr algn="ctr"/>
+            <a:r>
+              <a:rPr lang="en-US" sz="1050" b="1" dirty="0">
+                <a:ln w="0"/>
+                <a:solidFill>
+                  <a:schemeClr val="tx1"/>
+                </a:solidFill>
+              </a:rPr>
+              <a:t>.</a:t>
+            </a:r>
+          </a:p>
+        </p:txBody>
+      </p:sp>
+      <p:pic>
+        <p:nvPicPr>
+          <p:cNvPr id="64" name="Picture 4" descr="Image result for data file icon black"/>
+          <p:cNvPicPr>
+            <a:picLocks noChangeAspect="1" noChangeArrowheads="1"/>
+          </p:cNvPicPr>
+          <p:nvPr/>
+        </p:nvPicPr>
+        <p:blipFill>
+          <a:blip r:embed="rId2">
+            <a:extLst>
+              <a:ext uri="{28A0092B-C50C-407E-A947-70E740481C1C}">
+                <a14:useLocalDpi xmlns:a14="http://schemas.microsoft.com/office/drawing/2010/main" val="0"/>
+              </a:ext>
+            </a:extLst>
+          </a:blip>
+          <a:srcRect/>
+          <a:stretch>
+            <a:fillRect/>
+          </a:stretch>
+        </p:blipFill>
+        <p:spPr bwMode="auto">
+          <a:xfrm>
+            <a:off x="9227768" y="4648448"/>
+            <a:ext cx="565503" cy="565503"/>
+          </a:xfrm>
+          <a:prstGeom prst="rect">
+            <a:avLst/>
+          </a:prstGeom>
+          <a:noFill/>
+          <a:extLst>
+            <a:ext uri="{909E8E84-426E-40DD-AFC4-6F175D3DCCD1}">
+              <a14:hiddenFill xmlns:a14="http://schemas.microsoft.com/office/drawing/2010/main">
+                <a:solidFill>
+                  <a:srgbClr val="FFFFFF"/>
+                </a:solidFill>
+              </a14:hiddenFill>
+            </a:ext>
+          </a:extLst>
+        </p:spPr>
+      </p:pic>
+      <p:pic>
+        <p:nvPicPr>
+          <p:cNvPr id="65" name="Picture 6" descr="Image result for log file icon black"/>
+          <p:cNvPicPr>
+            <a:picLocks noChangeAspect="1" noChangeArrowheads="1"/>
+          </p:cNvPicPr>
+          <p:nvPr/>
+        </p:nvPicPr>
+        <p:blipFill>
+          <a:blip r:embed="rId3">
+            <a:extLst>
+              <a:ext uri="{28A0092B-C50C-407E-A947-70E740481C1C}">
+                <a14:useLocalDpi xmlns:a14="http://schemas.microsoft.com/office/drawing/2010/main" val="0"/>
+              </a:ext>
+            </a:extLst>
+          </a:blip>
+          <a:srcRect/>
+          <a:stretch>
+            <a:fillRect/>
+          </a:stretch>
+        </p:blipFill>
+        <p:spPr bwMode="auto">
+          <a:xfrm>
+            <a:off x="6655953" y="4383346"/>
+            <a:ext cx="949449" cy="949449"/>
+          </a:xfrm>
+          <a:prstGeom prst="rect">
+            <a:avLst/>
+          </a:prstGeom>
+          <a:noFill/>
+          <a:extLst>
+            <a:ext uri="{909E8E84-426E-40DD-AFC4-6F175D3DCCD1}">
+              <a14:hiddenFill xmlns:a14="http://schemas.microsoft.com/office/drawing/2010/main">
+                <a:solidFill>
+                  <a:srgbClr val="FFFFFF"/>
+                </a:solidFill>
+              </a14:hiddenFill>
+            </a:ext>
+          </a:extLst>
+        </p:spPr>
+      </p:pic>
+      <p:cxnSp>
+        <p:nvCxnSpPr>
+          <p:cNvPr id="66" name="Straight Arrow Connector 65"/>
+          <p:cNvCxnSpPr>
+            <a:cxnSpLocks/>
+          </p:cNvCxnSpPr>
+          <p:nvPr/>
+        </p:nvCxnSpPr>
+        <p:spPr>
+          <a:xfrm>
+            <a:off x="7603374" y="4868024"/>
+            <a:ext cx="1404541" cy="0"/>
+          </a:xfrm>
+          <a:prstGeom prst="straightConnector1">
+            <a:avLst/>
+          </a:prstGeom>
+          <a:ln>
+            <a:tailEnd type="triangle"/>
+          </a:ln>
+        </p:spPr>
+        <p:style>
+          <a:lnRef idx="1">
+            <a:schemeClr val="dk1"/>
+          </a:lnRef>
+          <a:fillRef idx="0">
+            <a:schemeClr val="dk1"/>
+          </a:fillRef>
+          <a:effectRef idx="0">
+            <a:schemeClr val="dk1"/>
+          </a:effectRef>
+          <a:fontRef idx="minor">
+            <a:schemeClr val="tx1"/>
+          </a:fontRef>
+        </p:style>
+      </p:cxnSp>
+      <p:cxnSp>
+        <p:nvCxnSpPr>
+          <p:cNvPr id="67" name="Straight Arrow Connector 66"/>
+          <p:cNvCxnSpPr>
+            <a:cxnSpLocks/>
+          </p:cNvCxnSpPr>
+          <p:nvPr/>
+        </p:nvCxnSpPr>
+        <p:spPr>
+          <a:xfrm>
+            <a:off x="5815140" y="4881241"/>
+            <a:ext cx="977546" cy="0"/>
+          </a:xfrm>
+          <a:prstGeom prst="straightConnector1">
+            <a:avLst/>
+          </a:prstGeom>
+          <a:ln>
+            <a:tailEnd type="triangle"/>
+          </a:ln>
+        </p:spPr>
+        <p:style>
+          <a:lnRef idx="1">
+            <a:schemeClr val="dk1"/>
+          </a:lnRef>
+          <a:fillRef idx="0">
+            <a:schemeClr val="dk1"/>
+          </a:fillRef>
+          <a:effectRef idx="0">
+            <a:schemeClr val="dk1"/>
+          </a:effectRef>
+          <a:fontRef idx="minor">
+            <a:schemeClr val="tx1"/>
+          </a:fontRef>
+        </p:style>
+      </p:cxnSp>
+      <p:sp>
+        <p:nvSpPr>
+          <p:cNvPr id="68" name="TextBox 67"/>
+          <p:cNvSpPr txBox="1"/>
+          <p:nvPr/>
+        </p:nvSpPr>
+        <p:spPr>
+          <a:xfrm>
+            <a:off x="7479792" y="3830119"/>
+            <a:ext cx="1651734" cy="369332"/>
+          </a:xfrm>
+          <a:prstGeom prst="rect">
+            <a:avLst/>
+          </a:prstGeom>
+          <a:noFill/>
+        </p:spPr>
+        <p:txBody>
+          <a:bodyPr wrap="square" rtlCol="0">
+            <a:spAutoFit/>
+          </a:bodyPr>
+          <a:lstStyle/>
+          <a:p>
+            <a:r>
+              <a:rPr lang="en-US" dirty="0"/>
+              <a:t>Post-processing</a:t>
+            </a:r>
+          </a:p>
+        </p:txBody>
+      </p:sp>
+    </p:spTree>
+    <p:extLst>
+      <p:ext uri="{BB962C8B-B14F-4D97-AF65-F5344CB8AC3E}">
+        <p14:creationId xmlns:p14="http://schemas.microsoft.com/office/powerpoint/2010/main" val="1746839073"/>
+      </p:ext>
+    </p:extLst>
+  </p:cSld>
+  <p:clrMapOvr>
+    <a:masterClrMapping/>
+  </p:clrMapOvr>
+</p:sld>
+</file>
+
+<file path=ppt/slides/slide8.xml><?xml version="1.0" encoding="utf-8"?>
+<p:sld xmlns:a="http://schemas.openxmlformats.org/drawingml/2006/main" xmlns:r="http://schemas.openxmlformats.org/officeDocument/2006/relationships" xmlns:p="http://schemas.openxmlformats.org/presentationml/2006/main">
+  <p:cSld>
+    <p:spTree>
+      <p:nvGrpSpPr>
+        <p:cNvPr id="1" name=""/>
+        <p:cNvGrpSpPr/>
+        <p:nvPr/>
+      </p:nvGrpSpPr>
+      <p:grpSpPr>
+        <a:xfrm>
+          <a:off x="0" y="0"/>
+          <a:ext cx="0" cy="0"/>
+          <a:chOff x="0" y="0"/>
+          <a:chExt cx="0" cy="0"/>
+        </a:xfrm>
+      </p:grpSpPr>
+      <p:grpSp>
+        <p:nvGrpSpPr>
+          <p:cNvPr id="10" name="Group 9"/>
+          <p:cNvGrpSpPr/>
+          <p:nvPr/>
+        </p:nvGrpSpPr>
+        <p:grpSpPr>
+          <a:xfrm>
+            <a:off x="4617521" y="3956993"/>
+            <a:ext cx="590550" cy="1189804"/>
+            <a:chOff x="3028217" y="4658916"/>
+            <a:chExt cx="590550" cy="1189804"/>
+          </a:xfrm>
+        </p:grpSpPr>
+        <p:pic>
+          <p:nvPicPr>
+            <p:cNvPr id="2056" name="Picture 8" descr="Image result for mobile phone icon"/>
+            <p:cNvPicPr>
+              <a:picLocks noChangeAspect="1" noChangeArrowheads="1"/>
+            </p:cNvPicPr>
+            <p:nvPr/>
+          </p:nvPicPr>
+          <p:blipFill>
+            <a:blip r:embed="rId2">
+              <a:extLst>
+                <a:ext uri="{28A0092B-C50C-407E-A947-70E740481C1C}">
+                  <a14:useLocalDpi xmlns:a14="http://schemas.microsoft.com/office/drawing/2010/main" val="0"/>
+                </a:ext>
+              </a:extLst>
+            </a:blip>
+            <a:srcRect/>
+            <a:stretch>
+              <a:fillRect/>
+            </a:stretch>
+          </p:blipFill>
+          <p:spPr bwMode="auto">
+            <a:xfrm>
+              <a:off x="3028217" y="4658916"/>
+              <a:ext cx="590550" cy="804928"/>
+            </a:xfrm>
+            <a:prstGeom prst="rect">
+              <a:avLst/>
+            </a:prstGeom>
+            <a:noFill/>
+            <a:extLst>
+              <a:ext uri="{909E8E84-426E-40DD-AFC4-6F175D3DCCD1}">
+                <a14:hiddenFill xmlns:a14="http://schemas.microsoft.com/office/drawing/2010/main">
+                  <a:solidFill>
+                    <a:srgbClr val="FFFFFF"/>
+                  </a:solidFill>
+                </a14:hiddenFill>
+              </a:ext>
+            </a:extLst>
+          </p:spPr>
+        </p:pic>
+        <p:sp>
+          <p:nvSpPr>
+            <p:cNvPr id="4" name="TextBox 3"/>
+            <p:cNvSpPr txBox="1"/>
+            <p:nvPr/>
+          </p:nvSpPr>
+          <p:spPr>
+            <a:xfrm>
+              <a:off x="3174415" y="5479388"/>
+              <a:ext cx="444352" cy="369332"/>
+            </a:xfrm>
+            <a:prstGeom prst="rect">
+              <a:avLst/>
+            </a:prstGeom>
+            <a:noFill/>
+          </p:spPr>
+          <p:txBody>
+            <a:bodyPr wrap="none" rtlCol="0">
+              <a:spAutoFit/>
+            </a:bodyPr>
+            <a:lstStyle/>
+            <a:p>
+              <a:r>
+                <a:rPr lang="en-US" dirty="0"/>
+                <a:t>UE</a:t>
+              </a:r>
+            </a:p>
+          </p:txBody>
+        </p:sp>
+      </p:grpSp>
+      <p:grpSp>
+        <p:nvGrpSpPr>
+          <p:cNvPr id="9" name="Group 8"/>
+          <p:cNvGrpSpPr/>
+          <p:nvPr/>
+        </p:nvGrpSpPr>
+        <p:grpSpPr>
+          <a:xfrm>
+            <a:off x="4867030" y="2050947"/>
+            <a:ext cx="1065808" cy="1435140"/>
+            <a:chOff x="4850052" y="3214092"/>
+            <a:chExt cx="1065808" cy="1435140"/>
+          </a:xfrm>
+        </p:grpSpPr>
+        <p:pic>
+          <p:nvPicPr>
+            <p:cNvPr id="8" name="Picture 4" descr="Image result for antenna icon"/>
+            <p:cNvPicPr>
+              <a:picLocks noChangeAspect="1" noChangeArrowheads="1"/>
+            </p:cNvPicPr>
+            <p:nvPr/>
+          </p:nvPicPr>
+          <p:blipFill>
+            <a:blip r:embed="rId3">
+              <a:extLst>
+                <a:ext uri="{28A0092B-C50C-407E-A947-70E740481C1C}">
+                  <a14:useLocalDpi xmlns:a14="http://schemas.microsoft.com/office/drawing/2010/main" val="0"/>
+                </a:ext>
+              </a:extLst>
+            </a:blip>
+            <a:srcRect/>
+            <a:stretch>
+              <a:fillRect/>
+            </a:stretch>
+          </p:blipFill>
+          <p:spPr bwMode="auto">
+            <a:xfrm>
+              <a:off x="4850052" y="3214092"/>
+              <a:ext cx="1065808" cy="1065808"/>
+            </a:xfrm>
+            <a:prstGeom prst="rect">
+              <a:avLst/>
+            </a:prstGeom>
+            <a:noFill/>
+            <a:extLst>
+              <a:ext uri="{909E8E84-426E-40DD-AFC4-6F175D3DCCD1}">
+                <a14:hiddenFill xmlns:a14="http://schemas.microsoft.com/office/drawing/2010/main">
+                  <a:solidFill>
+                    <a:srgbClr val="FFFFFF"/>
+                  </a:solidFill>
+                </a14:hiddenFill>
+              </a:ext>
+            </a:extLst>
+          </p:spPr>
+        </p:pic>
+        <p:sp>
+          <p:nvSpPr>
+            <p:cNvPr id="11" name="TextBox 10"/>
+            <p:cNvSpPr txBox="1"/>
+            <p:nvPr/>
+          </p:nvSpPr>
+          <p:spPr>
+            <a:xfrm>
+              <a:off x="5095858" y="4279900"/>
+              <a:ext cx="574195" cy="369332"/>
+            </a:xfrm>
+            <a:prstGeom prst="rect">
+              <a:avLst/>
+            </a:prstGeom>
+            <a:noFill/>
+          </p:spPr>
+          <p:txBody>
+            <a:bodyPr wrap="none" rtlCol="0">
+              <a:spAutoFit/>
+            </a:bodyPr>
+            <a:lstStyle/>
+            <a:p>
+              <a:pPr algn="ctr"/>
+              <a:r>
+                <a:rPr lang="en-US" dirty="0"/>
+                <a:t>eNB</a:t>
+              </a:r>
+            </a:p>
+          </p:txBody>
+        </p:sp>
+      </p:grpSp>
+      <p:sp>
+        <p:nvSpPr>
+          <p:cNvPr id="5" name="Rectangle: Rounded Corners 4"/>
+          <p:cNvSpPr/>
+          <p:nvPr/>
+        </p:nvSpPr>
+        <p:spPr>
+          <a:xfrm>
+            <a:off x="5112836" y="857643"/>
+            <a:ext cx="833197" cy="584200"/>
+          </a:xfrm>
+          <a:prstGeom prst="roundRect">
+            <a:avLst/>
+          </a:prstGeom>
+          <a:noFill/>
+          <a:ln w="28575">
+            <a:solidFill>
+              <a:schemeClr val="tx1"/>
+            </a:solidFill>
+          </a:ln>
+        </p:spPr>
+        <p:style>
+          <a:lnRef idx="2">
+            <a:schemeClr val="accent1">
+              <a:shade val="50000"/>
+            </a:schemeClr>
+          </a:lnRef>
+          <a:fillRef idx="1">
+            <a:schemeClr val="accent1"/>
+          </a:fillRef>
+          <a:effectRef idx="0">
+            <a:schemeClr val="accent1"/>
+          </a:effectRef>
+          <a:fontRef idx="minor">
+            <a:schemeClr val="lt1"/>
+          </a:fontRef>
+        </p:style>
+        <p:txBody>
+          <a:bodyPr rtlCol="0" anchor="ctr"/>
+          <a:lstStyle/>
+          <a:p>
+            <a:pPr algn="ctr"/>
+            <a:r>
+              <a:rPr lang="en-US" dirty="0">
+                <a:ln w="0"/>
+                <a:solidFill>
+                  <a:schemeClr val="tx1"/>
+                </a:solidFill>
+              </a:rPr>
+              <a:t>MME</a:t>
+            </a:r>
+          </a:p>
+        </p:txBody>
+      </p:sp>
+      <p:sp>
+        <p:nvSpPr>
+          <p:cNvPr id="6" name="TextBox 5"/>
+          <p:cNvSpPr txBox="1"/>
+          <p:nvPr/>
+        </p:nvSpPr>
+        <p:spPr>
+          <a:xfrm>
+            <a:off x="7787980" y="5257800"/>
+            <a:ext cx="1034257" cy="369332"/>
+          </a:xfrm>
+          <a:prstGeom prst="rect">
+            <a:avLst/>
+          </a:prstGeom>
+          <a:noFill/>
+        </p:spPr>
+        <p:txBody>
+          <a:bodyPr wrap="none" rtlCol="0">
+            <a:spAutoFit/>
+          </a:bodyPr>
+          <a:lstStyle/>
+          <a:p>
+            <a:r>
+              <a:rPr lang="en-US" dirty="0"/>
+              <a:t>E-UTRAN</a:t>
+            </a:r>
+          </a:p>
+        </p:txBody>
+      </p:sp>
+      <p:sp>
+        <p:nvSpPr>
+          <p:cNvPr id="14" name="Rectangle: Rounded Corners 13"/>
+          <p:cNvSpPr/>
+          <p:nvPr/>
+        </p:nvSpPr>
+        <p:spPr>
+          <a:xfrm>
+            <a:off x="7226103" y="856155"/>
+            <a:ext cx="833199" cy="584200"/>
+          </a:xfrm>
+          <a:prstGeom prst="roundRect">
+            <a:avLst/>
+          </a:prstGeom>
+          <a:noFill/>
+          <a:ln w="28575">
+            <a:solidFill>
+              <a:schemeClr val="tx1"/>
+            </a:solidFill>
+          </a:ln>
+        </p:spPr>
+        <p:style>
+          <a:lnRef idx="2">
+            <a:schemeClr val="accent1">
+              <a:shade val="50000"/>
+            </a:schemeClr>
+          </a:lnRef>
+          <a:fillRef idx="1">
+            <a:schemeClr val="accent1"/>
+          </a:fillRef>
+          <a:effectRef idx="0">
+            <a:schemeClr val="accent1"/>
+          </a:effectRef>
+          <a:fontRef idx="minor">
+            <a:schemeClr val="lt1"/>
+          </a:fontRef>
+        </p:style>
+        <p:txBody>
+          <a:bodyPr rtlCol="0" anchor="ctr"/>
+          <a:lstStyle/>
+          <a:p>
+            <a:pPr algn="ctr"/>
+            <a:r>
+              <a:rPr lang="en-US" dirty="0">
+                <a:ln w="0"/>
+                <a:solidFill>
+                  <a:schemeClr val="tx1"/>
+                </a:solidFill>
+              </a:rPr>
+              <a:t>MME</a:t>
+            </a:r>
+          </a:p>
+        </p:txBody>
+      </p:sp>
+      <p:grpSp>
+        <p:nvGrpSpPr>
+          <p:cNvPr id="16" name="Group 15"/>
+          <p:cNvGrpSpPr/>
+          <p:nvPr/>
+        </p:nvGrpSpPr>
+        <p:grpSpPr>
+          <a:xfrm>
+            <a:off x="6026890" y="3632200"/>
+            <a:ext cx="1065808" cy="1435140"/>
+            <a:chOff x="4850052" y="3214092"/>
+            <a:chExt cx="1065808" cy="1435140"/>
+          </a:xfrm>
+        </p:grpSpPr>
+        <p:pic>
+          <p:nvPicPr>
+            <p:cNvPr id="17" name="Picture 4" descr="Image result for antenna icon"/>
+            <p:cNvPicPr>
+              <a:picLocks noChangeAspect="1" noChangeArrowheads="1"/>
+            </p:cNvPicPr>
+            <p:nvPr/>
+          </p:nvPicPr>
+          <p:blipFill>
+            <a:blip r:embed="rId3">
+              <a:extLst>
+                <a:ext uri="{28A0092B-C50C-407E-A947-70E740481C1C}">
+                  <a14:useLocalDpi xmlns:a14="http://schemas.microsoft.com/office/drawing/2010/main" val="0"/>
+                </a:ext>
+              </a:extLst>
+            </a:blip>
+            <a:srcRect/>
+            <a:stretch>
+              <a:fillRect/>
+            </a:stretch>
+          </p:blipFill>
+          <p:spPr bwMode="auto">
+            <a:xfrm>
+              <a:off x="4850052" y="3214092"/>
+              <a:ext cx="1065808" cy="1065808"/>
+            </a:xfrm>
+            <a:prstGeom prst="rect">
+              <a:avLst/>
+            </a:prstGeom>
+            <a:noFill/>
+            <a:extLst>
+              <a:ext uri="{909E8E84-426E-40DD-AFC4-6F175D3DCCD1}">
+                <a14:hiddenFill xmlns:a14="http://schemas.microsoft.com/office/drawing/2010/main">
+                  <a:solidFill>
+                    <a:srgbClr val="FFFFFF"/>
+                  </a:solidFill>
+                </a14:hiddenFill>
+              </a:ext>
+            </a:extLst>
+          </p:spPr>
+        </p:pic>
+        <p:sp>
+          <p:nvSpPr>
+            <p:cNvPr id="18" name="TextBox 17"/>
+            <p:cNvSpPr txBox="1"/>
+            <p:nvPr/>
+          </p:nvSpPr>
+          <p:spPr>
+            <a:xfrm>
+              <a:off x="5095858" y="4279900"/>
+              <a:ext cx="574195" cy="369332"/>
+            </a:xfrm>
+            <a:prstGeom prst="rect">
+              <a:avLst/>
+            </a:prstGeom>
+            <a:noFill/>
+          </p:spPr>
+          <p:txBody>
+            <a:bodyPr wrap="none" rtlCol="0">
+              <a:spAutoFit/>
+            </a:bodyPr>
+            <a:lstStyle/>
+            <a:p>
+              <a:pPr algn="ctr"/>
+              <a:r>
+                <a:rPr lang="en-US" dirty="0"/>
+                <a:t>eNB</a:t>
+              </a:r>
+            </a:p>
+          </p:txBody>
+        </p:sp>
+      </p:grpSp>
+      <p:grpSp>
+        <p:nvGrpSpPr>
+          <p:cNvPr id="19" name="Group 18"/>
+          <p:cNvGrpSpPr/>
+          <p:nvPr/>
+        </p:nvGrpSpPr>
+        <p:grpSpPr>
+          <a:xfrm>
+            <a:off x="7239301" y="2050947"/>
+            <a:ext cx="1065808" cy="1435140"/>
+            <a:chOff x="4850052" y="3214092"/>
+            <a:chExt cx="1065808" cy="1435140"/>
+          </a:xfrm>
+        </p:grpSpPr>
+        <p:pic>
+          <p:nvPicPr>
+            <p:cNvPr id="20" name="Picture 4" descr="Image result for antenna icon"/>
+            <p:cNvPicPr>
+              <a:picLocks noChangeAspect="1" noChangeArrowheads="1"/>
+            </p:cNvPicPr>
+            <p:nvPr/>
+          </p:nvPicPr>
+          <p:blipFill>
+            <a:blip r:embed="rId3">
+              <a:extLst>
+                <a:ext uri="{28A0092B-C50C-407E-A947-70E740481C1C}">
+                  <a14:useLocalDpi xmlns:a14="http://schemas.microsoft.com/office/drawing/2010/main" val="0"/>
+                </a:ext>
+              </a:extLst>
+            </a:blip>
+            <a:srcRect/>
+            <a:stretch>
+              <a:fillRect/>
+            </a:stretch>
+          </p:blipFill>
+          <p:spPr bwMode="auto">
+            <a:xfrm>
+              <a:off x="4850052" y="3214092"/>
+              <a:ext cx="1065808" cy="1065808"/>
+            </a:xfrm>
+            <a:prstGeom prst="rect">
+              <a:avLst/>
+            </a:prstGeom>
+            <a:noFill/>
+            <a:extLst>
+              <a:ext uri="{909E8E84-426E-40DD-AFC4-6F175D3DCCD1}">
+                <a14:hiddenFill xmlns:a14="http://schemas.microsoft.com/office/drawing/2010/main">
+                  <a:solidFill>
+                    <a:srgbClr val="FFFFFF"/>
+                  </a:solidFill>
+                </a14:hiddenFill>
+              </a:ext>
+            </a:extLst>
+          </p:spPr>
+        </p:pic>
+        <p:sp>
+          <p:nvSpPr>
+            <p:cNvPr id="21" name="TextBox 20"/>
+            <p:cNvSpPr txBox="1"/>
+            <p:nvPr/>
+          </p:nvSpPr>
+          <p:spPr>
+            <a:xfrm>
+              <a:off x="5095858" y="4279900"/>
+              <a:ext cx="574195" cy="369332"/>
+            </a:xfrm>
+            <a:prstGeom prst="rect">
+              <a:avLst/>
+            </a:prstGeom>
+            <a:noFill/>
+          </p:spPr>
+          <p:txBody>
+            <a:bodyPr wrap="none" rtlCol="0">
+              <a:spAutoFit/>
+            </a:bodyPr>
+            <a:lstStyle/>
+            <a:p>
+              <a:pPr algn="ctr"/>
+              <a:r>
+                <a:rPr lang="en-US" dirty="0"/>
+                <a:t>eNB</a:t>
+              </a:r>
+            </a:p>
+          </p:txBody>
+        </p:sp>
+      </p:grpSp>
+      <p:sp>
+        <p:nvSpPr>
+          <p:cNvPr id="13" name="Rectangle 12"/>
+          <p:cNvSpPr/>
+          <p:nvPr/>
+        </p:nvSpPr>
+        <p:spPr>
+          <a:xfrm>
+            <a:off x="3975099" y="1739900"/>
+            <a:ext cx="4838701" cy="3517900"/>
+          </a:xfrm>
+          <a:prstGeom prst="rect">
+            <a:avLst/>
+          </a:prstGeom>
+          <a:noFill/>
+          <a:ln>
+            <a:solidFill>
+              <a:schemeClr val="tx1"/>
+            </a:solidFill>
+          </a:ln>
+        </p:spPr>
+        <p:style>
+          <a:lnRef idx="2">
+            <a:schemeClr val="accent1">
+              <a:shade val="50000"/>
+            </a:schemeClr>
+          </a:lnRef>
+          <a:fillRef idx="1">
+            <a:schemeClr val="accent1"/>
+          </a:fillRef>
+          <a:effectRef idx="0">
+            <a:schemeClr val="accent1"/>
+          </a:effectRef>
+          <a:fontRef idx="minor">
+            <a:schemeClr val="lt1"/>
+          </a:fontRef>
+        </p:style>
+        <p:txBody>
+          <a:bodyPr rtlCol="0" anchor="ctr"/>
+          <a:lstStyle/>
+          <a:p>
+            <a:pPr algn="ctr"/>
+            <a:endParaRPr lang="en-US"/>
+          </a:p>
+        </p:txBody>
+      </p:sp>
+      <p:cxnSp>
+        <p:nvCxnSpPr>
+          <p:cNvPr id="22" name="Straight Connector 21"/>
+          <p:cNvCxnSpPr>
+            <a:cxnSpLocks/>
+          </p:cNvCxnSpPr>
+          <p:nvPr/>
+        </p:nvCxnSpPr>
+        <p:spPr>
+          <a:xfrm>
+            <a:off x="5715610" y="2859371"/>
+            <a:ext cx="1669318" cy="0"/>
+          </a:xfrm>
+          <a:prstGeom prst="line">
+            <a:avLst/>
+          </a:prstGeom>
+          <a:ln>
+            <a:solidFill>
+              <a:schemeClr val="tx1"/>
+            </a:solidFill>
+          </a:ln>
+        </p:spPr>
+        <p:style>
+          <a:lnRef idx="1">
+            <a:schemeClr val="accent1"/>
+          </a:lnRef>
+          <a:fillRef idx="0">
+            <a:schemeClr val="accent1"/>
+          </a:fillRef>
+          <a:effectRef idx="0">
+            <a:schemeClr val="accent1"/>
+          </a:effectRef>
+          <a:fontRef idx="minor">
+            <a:schemeClr val="tx1"/>
+          </a:fontRef>
+        </p:style>
+      </p:cxnSp>
+      <p:cxnSp>
+        <p:nvCxnSpPr>
+          <p:cNvPr id="25" name="Straight Connector 24"/>
+          <p:cNvCxnSpPr>
+            <a:cxnSpLocks/>
+          </p:cNvCxnSpPr>
+          <p:nvPr/>
+        </p:nvCxnSpPr>
+        <p:spPr>
+          <a:xfrm>
+            <a:off x="5712430" y="2857500"/>
+            <a:ext cx="566928" cy="903764"/>
+          </a:xfrm>
+          <a:prstGeom prst="line">
+            <a:avLst/>
+          </a:prstGeom>
+          <a:ln>
+            <a:solidFill>
+              <a:schemeClr val="tx1"/>
+            </a:solidFill>
+          </a:ln>
+        </p:spPr>
+        <p:style>
+          <a:lnRef idx="1">
+            <a:schemeClr val="accent1"/>
+          </a:lnRef>
+          <a:fillRef idx="0">
+            <a:schemeClr val="accent1"/>
+          </a:fillRef>
+          <a:effectRef idx="0">
+            <a:schemeClr val="accent1"/>
+          </a:effectRef>
+          <a:fontRef idx="minor">
+            <a:schemeClr val="tx1"/>
+          </a:fontRef>
+        </p:style>
+      </p:cxnSp>
+      <p:cxnSp>
+        <p:nvCxnSpPr>
+          <p:cNvPr id="29" name="Straight Connector 28"/>
+          <p:cNvCxnSpPr>
+            <a:cxnSpLocks/>
+          </p:cNvCxnSpPr>
+          <p:nvPr/>
+        </p:nvCxnSpPr>
+        <p:spPr>
+          <a:xfrm flipV="1">
+            <a:off x="6812501" y="2857500"/>
+            <a:ext cx="566928" cy="903764"/>
+          </a:xfrm>
+          <a:prstGeom prst="line">
+            <a:avLst/>
+          </a:prstGeom>
+          <a:ln>
+            <a:solidFill>
+              <a:schemeClr val="tx1"/>
+            </a:solidFill>
+          </a:ln>
+        </p:spPr>
+        <p:style>
+          <a:lnRef idx="1">
+            <a:schemeClr val="accent1"/>
+          </a:lnRef>
+          <a:fillRef idx="0">
+            <a:schemeClr val="accent1"/>
+          </a:fillRef>
+          <a:effectRef idx="0">
+            <a:schemeClr val="accent1"/>
+          </a:effectRef>
+          <a:fontRef idx="minor">
+            <a:schemeClr val="tx1"/>
+          </a:fontRef>
+        </p:style>
+      </p:cxnSp>
+      <p:cxnSp>
+        <p:nvCxnSpPr>
+          <p:cNvPr id="2058" name="Straight Connector 2057"/>
+          <p:cNvCxnSpPr>
+            <a:cxnSpLocks/>
+            <a:stCxn id="5" idx="2"/>
+            <a:endCxn id="8" idx="0"/>
+          </p:cNvCxnSpPr>
+          <p:nvPr/>
+        </p:nvCxnSpPr>
+        <p:spPr>
+          <a:xfrm flipH="1">
+            <a:off x="5399934" y="1441843"/>
+            <a:ext cx="129501" cy="609104"/>
+          </a:xfrm>
+          <a:prstGeom prst="line">
+            <a:avLst/>
+          </a:prstGeom>
+          <a:ln>
+            <a:solidFill>
+              <a:schemeClr val="tx1"/>
+            </a:solidFill>
+            <a:prstDash val="dash"/>
+          </a:ln>
+        </p:spPr>
+        <p:style>
+          <a:lnRef idx="1">
+            <a:schemeClr val="accent1"/>
+          </a:lnRef>
+          <a:fillRef idx="0">
+            <a:schemeClr val="accent1"/>
+          </a:fillRef>
+          <a:effectRef idx="0">
+            <a:schemeClr val="accent1"/>
+          </a:effectRef>
+          <a:fontRef idx="minor">
+            <a:schemeClr val="tx1"/>
+          </a:fontRef>
+        </p:style>
+      </p:cxnSp>
+      <p:cxnSp>
+        <p:nvCxnSpPr>
+          <p:cNvPr id="2061" name="Straight Connector 2060"/>
+          <p:cNvCxnSpPr>
+            <a:cxnSpLocks/>
+            <a:stCxn id="5" idx="2"/>
+          </p:cNvCxnSpPr>
+          <p:nvPr/>
+        </p:nvCxnSpPr>
+        <p:spPr>
+          <a:xfrm>
+            <a:off x="5529435" y="1441843"/>
+            <a:ext cx="770752" cy="2319421"/>
+          </a:xfrm>
+          <a:prstGeom prst="line">
+            <a:avLst/>
+          </a:prstGeom>
+          <a:ln>
+            <a:prstDash val="dash"/>
+          </a:ln>
+        </p:spPr>
+        <p:style>
+          <a:lnRef idx="1">
+            <a:schemeClr val="dk1"/>
+          </a:lnRef>
+          <a:fillRef idx="0">
+            <a:schemeClr val="dk1"/>
+          </a:fillRef>
+          <a:effectRef idx="0">
+            <a:schemeClr val="dk1"/>
+          </a:effectRef>
+          <a:fontRef idx="minor">
+            <a:schemeClr val="tx1"/>
+          </a:fontRef>
+        </p:style>
+      </p:cxnSp>
+      <p:cxnSp>
+        <p:nvCxnSpPr>
+          <p:cNvPr id="2065" name="Straight Connector 2064"/>
+          <p:cNvCxnSpPr>
+            <a:cxnSpLocks/>
+            <a:stCxn id="14" idx="2"/>
+            <a:endCxn id="20" idx="0"/>
+          </p:cNvCxnSpPr>
+          <p:nvPr/>
+        </p:nvCxnSpPr>
+        <p:spPr>
+          <a:xfrm>
+            <a:off x="7642703" y="1440355"/>
+            <a:ext cx="129502" cy="610592"/>
+          </a:xfrm>
+          <a:prstGeom prst="line">
+            <a:avLst/>
+          </a:prstGeom>
+          <a:ln>
+            <a:prstDash val="dash"/>
+          </a:ln>
+        </p:spPr>
+        <p:style>
+          <a:lnRef idx="1">
+            <a:schemeClr val="dk1"/>
+          </a:lnRef>
+          <a:fillRef idx="0">
+            <a:schemeClr val="dk1"/>
+          </a:fillRef>
+          <a:effectRef idx="0">
+            <a:schemeClr val="dk1"/>
+          </a:effectRef>
+          <a:fontRef idx="minor">
+            <a:schemeClr val="tx1"/>
+          </a:fontRef>
+        </p:style>
+      </p:cxnSp>
+      <p:cxnSp>
+        <p:nvCxnSpPr>
+          <p:cNvPr id="2068" name="Straight Connector 2067"/>
+          <p:cNvCxnSpPr>
+            <a:cxnSpLocks/>
+            <a:stCxn id="14" idx="2"/>
+          </p:cNvCxnSpPr>
+          <p:nvPr/>
+        </p:nvCxnSpPr>
+        <p:spPr>
+          <a:xfrm flipH="1">
+            <a:off x="6791857" y="1440355"/>
+            <a:ext cx="850846" cy="2320909"/>
+          </a:xfrm>
+          <a:prstGeom prst="line">
+            <a:avLst/>
+          </a:prstGeom>
+          <a:ln>
+            <a:solidFill>
+              <a:schemeClr val="tx1"/>
+            </a:solidFill>
+            <a:prstDash val="dash"/>
+          </a:ln>
+        </p:spPr>
+        <p:style>
+          <a:lnRef idx="1">
+            <a:schemeClr val="accent1"/>
+          </a:lnRef>
+          <a:fillRef idx="0">
+            <a:schemeClr val="accent1"/>
+          </a:fillRef>
+          <a:effectRef idx="0">
+            <a:schemeClr val="accent1"/>
+          </a:effectRef>
+          <a:fontRef idx="minor">
+            <a:schemeClr val="tx1"/>
+          </a:fontRef>
+        </p:style>
+      </p:cxnSp>
+      <p:pic>
+        <p:nvPicPr>
+          <p:cNvPr id="2073" name="Picture 10" descr="Image result for signal icon"/>
+          <p:cNvPicPr>
+            <a:picLocks noChangeAspect="1" noChangeArrowheads="1"/>
+          </p:cNvPicPr>
+          <p:nvPr/>
+        </p:nvPicPr>
+        <p:blipFill rotWithShape="1">
+          <a:blip r:embed="rId4">
+            <a:extLst>
+              <a:ext uri="{28A0092B-C50C-407E-A947-70E740481C1C}">
+                <a14:useLocalDpi xmlns:a14="http://schemas.microsoft.com/office/drawing/2010/main" val="0"/>
+              </a:ext>
+            </a:extLst>
+          </a:blip>
+          <a:srcRect t="66398" r="57203"/>
+          <a:stretch/>
+        </p:blipFill>
+        <p:spPr bwMode="auto">
+          <a:xfrm rot="676917" flipH="1" flipV="1">
+            <a:off x="5001531" y="4035131"/>
+            <a:ext cx="413080" cy="324326"/>
+          </a:xfrm>
+          <a:prstGeom prst="rect">
+            <a:avLst/>
+          </a:prstGeom>
+          <a:noFill/>
+          <a:extLst>
+            <a:ext uri="{909E8E84-426E-40DD-AFC4-6F175D3DCCD1}">
+              <a14:hiddenFill xmlns:a14="http://schemas.microsoft.com/office/drawing/2010/main">
+                <a:solidFill>
+                  <a:srgbClr val="FFFFFF"/>
+                </a:solidFill>
+              </a14:hiddenFill>
+            </a:ext>
+          </a:extLst>
+        </p:spPr>
+      </p:pic>
+    </p:spTree>
+    <p:extLst>
+      <p:ext uri="{BB962C8B-B14F-4D97-AF65-F5344CB8AC3E}">
+        <p14:creationId xmlns:p14="http://schemas.microsoft.com/office/powerpoint/2010/main" val="2608906499"/>
       </p:ext>
     </p:extLst>
   </p:cSld>
